--- a/Presentation/Automatic Ticketing System (ATS).pptx
+++ b/Presentation/Automatic Ticketing System (ATS).pptx
@@ -110,6 +110,11 @@
       </a:defRPr>
     </a:lvl9pPr>
   </p:defaultTextStyle>
+  <p:extLst>
+    <p:ext uri="{EFAFB233-063F-42B5-8137-9DF3F51BA10A}">
+      <p15:sldGuideLst xmlns:p15="http://schemas.microsoft.com/office/powerpoint/2012/main"/>
+    </p:ext>
+  </p:extLst>
 </p:presentation>
 </file>
 
@@ -338,7 +343,7 @@
             <a:fld id="{5586B75A-687E-405C-8A0B-8D00578BA2C3}" type="datetimeFigureOut">
               <a:rPr lang="en-US" dirty="0"/>
               <a:pPr/>
-              <a:t>11/26/2016</a:t>
+              <a:t>11/27/2016</a:t>
             </a:fld>
             <a:endParaRPr lang="en-US" dirty="0"/>
           </a:p>
@@ -505,7 +510,7 @@
             <a:fld id="{5586B75A-687E-405C-8A0B-8D00578BA2C3}" type="datetimeFigureOut">
               <a:rPr lang="en-US" dirty="0"/>
               <a:pPr/>
-              <a:t>11/26/2016</a:t>
+              <a:t>11/27/2016</a:t>
             </a:fld>
             <a:endParaRPr lang="en-US" dirty="0"/>
           </a:p>
@@ -682,7 +687,7 @@
             <a:fld id="{5586B75A-687E-405C-8A0B-8D00578BA2C3}" type="datetimeFigureOut">
               <a:rPr lang="en-US" dirty="0"/>
               <a:pPr/>
-              <a:t>11/26/2016</a:t>
+              <a:t>11/27/2016</a:t>
             </a:fld>
             <a:endParaRPr lang="en-US" dirty="0"/>
           </a:p>
@@ -849,7 +854,7 @@
             <a:fld id="{5586B75A-687E-405C-8A0B-8D00578BA2C3}" type="datetimeFigureOut">
               <a:rPr lang="en-US" dirty="0"/>
               <a:pPr/>
-              <a:t>11/26/2016</a:t>
+              <a:t>11/27/2016</a:t>
             </a:fld>
             <a:endParaRPr lang="en-US" dirty="0"/>
           </a:p>
@@ -1104,7 +1109,7 @@
             <a:fld id="{5586B75A-687E-405C-8A0B-8D00578BA2C3}" type="datetimeFigureOut">
               <a:rPr lang="en-US" dirty="0"/>
               <a:pPr/>
-              <a:t>11/26/2016</a:t>
+              <a:t>11/27/2016</a:t>
             </a:fld>
             <a:endParaRPr lang="en-US" dirty="0"/>
           </a:p>
@@ -1389,7 +1394,7 @@
             <a:fld id="{5586B75A-687E-405C-8A0B-8D00578BA2C3}" type="datetimeFigureOut">
               <a:rPr lang="en-US" dirty="0"/>
               <a:pPr/>
-              <a:t>11/26/2016</a:t>
+              <a:t>11/27/2016</a:t>
             </a:fld>
             <a:endParaRPr lang="en-US" dirty="0"/>
           </a:p>
@@ -1828,7 +1833,7 @@
             <a:fld id="{5586B75A-687E-405C-8A0B-8D00578BA2C3}" type="datetimeFigureOut">
               <a:rPr lang="en-US" dirty="0"/>
               <a:pPr/>
-              <a:t>11/26/2016</a:t>
+              <a:t>11/27/2016</a:t>
             </a:fld>
             <a:endParaRPr lang="en-US" dirty="0"/>
           </a:p>
@@ -1943,7 +1948,7 @@
             <a:fld id="{5586B75A-687E-405C-8A0B-8D00578BA2C3}" type="datetimeFigureOut">
               <a:rPr lang="en-US" dirty="0"/>
               <a:pPr/>
-              <a:t>11/26/2016</a:t>
+              <a:t>11/27/2016</a:t>
             </a:fld>
             <a:endParaRPr lang="en-US" dirty="0"/>
           </a:p>
@@ -2035,7 +2040,7 @@
             <a:fld id="{5586B75A-687E-405C-8A0B-8D00578BA2C3}" type="datetimeFigureOut">
               <a:rPr lang="en-US" dirty="0"/>
               <a:pPr/>
-              <a:t>11/26/2016</a:t>
+              <a:t>11/27/2016</a:t>
             </a:fld>
             <a:endParaRPr lang="en-US" dirty="0"/>
           </a:p>
@@ -2320,7 +2325,7 @@
             <a:fld id="{5586B75A-687E-405C-8A0B-8D00578BA2C3}" type="datetimeFigureOut">
               <a:rPr lang="en-US" dirty="0"/>
               <a:pPr/>
-              <a:t>11/26/2016</a:t>
+              <a:t>11/27/2016</a:t>
             </a:fld>
             <a:endParaRPr lang="en-US" dirty="0"/>
           </a:p>
@@ -2590,7 +2595,7 @@
             <a:fld id="{5586B75A-687E-405C-8A0B-8D00578BA2C3}" type="datetimeFigureOut">
               <a:rPr lang="en-US" dirty="0"/>
               <a:pPr/>
-              <a:t>11/26/2016</a:t>
+              <a:t>11/27/2016</a:t>
             </a:fld>
             <a:endParaRPr lang="en-US" dirty="0"/>
           </a:p>
@@ -2884,7 +2889,7 @@
             <a:fld id="{5586B75A-687E-405C-8A0B-8D00578BA2C3}" type="datetimeFigureOut">
               <a:rPr lang="en-US" dirty="0"/>
               <a:pPr/>
-              <a:t>11/26/2016</a:t>
+              <a:t>11/27/2016</a:t>
             </a:fld>
             <a:endParaRPr lang="en-US" dirty="0"/>
           </a:p>
@@ -3567,20 +3572,441 @@
       </p:sp>
       <p:sp>
         <p:nvSpPr>
-          <p:cNvPr id="3" name="Content Placeholder 2"/>
-          <p:cNvSpPr>
-            <a:spLocks noGrp="1"/>
-          </p:cNvSpPr>
-          <p:nvPr>
-            <p:ph idx="1"/>
-          </p:nvPr>
-        </p:nvSpPr>
-        <p:spPr/>
-        <p:txBody>
-          <a:bodyPr/>
-          <a:lstStyle/>
-          <a:p>
-            <a:endParaRPr lang="en-US"/>
+          <p:cNvPr id="4" name="Rectangle 3"/>
+          <p:cNvSpPr/>
+          <p:nvPr/>
+        </p:nvSpPr>
+        <p:spPr>
+          <a:xfrm>
+            <a:off x="3958389" y="1347537"/>
+            <a:ext cx="1359569" cy="757989"/>
+          </a:xfrm>
+          <a:prstGeom prst="rect">
+            <a:avLst/>
+          </a:prstGeom>
+        </p:spPr>
+        <p:style>
+          <a:lnRef idx="1">
+            <a:schemeClr val="accent1"/>
+          </a:lnRef>
+          <a:fillRef idx="2">
+            <a:schemeClr val="accent1"/>
+          </a:fillRef>
+          <a:effectRef idx="1">
+            <a:schemeClr val="accent1"/>
+          </a:effectRef>
+          <a:fontRef idx="minor">
+            <a:schemeClr val="dk1"/>
+          </a:fontRef>
+        </p:style>
+        <p:txBody>
+          <a:bodyPr rtlCol="0" anchor="ctr"/>
+          <a:lstStyle/>
+          <a:p>
+            <a:pPr algn="ctr"/>
+            <a:endParaRPr lang="en-US" sz="1600"/>
+          </a:p>
+        </p:txBody>
+      </p:sp>
+      <p:sp>
+        <p:nvSpPr>
+          <p:cNvPr id="9" name="Oval 8"/>
+          <p:cNvSpPr/>
+          <p:nvPr/>
+        </p:nvSpPr>
+        <p:spPr>
+          <a:xfrm>
+            <a:off x="4078705" y="1443790"/>
+            <a:ext cx="348916" cy="240632"/>
+          </a:xfrm>
+          <a:prstGeom prst="ellipse">
+            <a:avLst/>
+          </a:prstGeom>
+        </p:spPr>
+        <p:style>
+          <a:lnRef idx="2">
+            <a:schemeClr val="accent4">
+              <a:shade val="50000"/>
+            </a:schemeClr>
+          </a:lnRef>
+          <a:fillRef idx="1">
+            <a:schemeClr val="accent4"/>
+          </a:fillRef>
+          <a:effectRef idx="0">
+            <a:schemeClr val="accent4"/>
+          </a:effectRef>
+          <a:fontRef idx="minor">
+            <a:schemeClr val="lt1"/>
+          </a:fontRef>
+        </p:style>
+        <p:txBody>
+          <a:bodyPr rtlCol="0" anchor="ctr"/>
+          <a:lstStyle/>
+          <a:p>
+            <a:pPr algn="ctr"/>
+            <a:endParaRPr lang="en-US" sz="1600" dirty="0"/>
+          </a:p>
+        </p:txBody>
+      </p:sp>
+      <p:sp>
+        <p:nvSpPr>
+          <p:cNvPr id="10" name="Oval 9"/>
+          <p:cNvSpPr/>
+          <p:nvPr/>
+        </p:nvSpPr>
+        <p:spPr>
+          <a:xfrm>
+            <a:off x="4700337" y="1728537"/>
+            <a:ext cx="348916" cy="240632"/>
+          </a:xfrm>
+          <a:prstGeom prst="ellipse">
+            <a:avLst/>
+          </a:prstGeom>
+        </p:spPr>
+        <p:style>
+          <a:lnRef idx="2">
+            <a:schemeClr val="accent4">
+              <a:shade val="50000"/>
+            </a:schemeClr>
+          </a:lnRef>
+          <a:fillRef idx="1">
+            <a:schemeClr val="accent4"/>
+          </a:fillRef>
+          <a:effectRef idx="0">
+            <a:schemeClr val="accent4"/>
+          </a:effectRef>
+          <a:fontRef idx="minor">
+            <a:schemeClr val="lt1"/>
+          </a:fontRef>
+        </p:style>
+        <p:txBody>
+          <a:bodyPr rtlCol="0" anchor="ctr"/>
+          <a:lstStyle/>
+          <a:p>
+            <a:pPr algn="ctr"/>
+            <a:endParaRPr lang="en-US" sz="1600" dirty="0"/>
+          </a:p>
+        </p:txBody>
+      </p:sp>
+      <p:sp>
+        <p:nvSpPr>
+          <p:cNvPr id="11" name="Rectangle 10"/>
+          <p:cNvSpPr/>
+          <p:nvPr/>
+        </p:nvSpPr>
+        <p:spPr>
+          <a:xfrm>
+            <a:off x="3966410" y="2763253"/>
+            <a:ext cx="1359569" cy="757989"/>
+          </a:xfrm>
+          <a:prstGeom prst="rect">
+            <a:avLst/>
+          </a:prstGeom>
+        </p:spPr>
+        <p:style>
+          <a:lnRef idx="1">
+            <a:schemeClr val="accent1"/>
+          </a:lnRef>
+          <a:fillRef idx="2">
+            <a:schemeClr val="accent1"/>
+          </a:fillRef>
+          <a:effectRef idx="1">
+            <a:schemeClr val="accent1"/>
+          </a:effectRef>
+          <a:fontRef idx="minor">
+            <a:schemeClr val="dk1"/>
+          </a:fontRef>
+        </p:style>
+        <p:txBody>
+          <a:bodyPr rtlCol="0" anchor="ctr"/>
+          <a:lstStyle/>
+          <a:p>
+            <a:pPr algn="ctr"/>
+            <a:endParaRPr lang="en-US" sz="1600"/>
+          </a:p>
+        </p:txBody>
+      </p:sp>
+      <p:sp>
+        <p:nvSpPr>
+          <p:cNvPr id="12" name="Oval 11"/>
+          <p:cNvSpPr/>
+          <p:nvPr/>
+        </p:nvSpPr>
+        <p:spPr>
+          <a:xfrm>
+            <a:off x="4086726" y="2859506"/>
+            <a:ext cx="348916" cy="240632"/>
+          </a:xfrm>
+          <a:prstGeom prst="ellipse">
+            <a:avLst/>
+          </a:prstGeom>
+        </p:spPr>
+        <p:style>
+          <a:lnRef idx="2">
+            <a:schemeClr val="accent4">
+              <a:shade val="50000"/>
+            </a:schemeClr>
+          </a:lnRef>
+          <a:fillRef idx="1">
+            <a:schemeClr val="accent4"/>
+          </a:fillRef>
+          <a:effectRef idx="0">
+            <a:schemeClr val="accent4"/>
+          </a:effectRef>
+          <a:fontRef idx="minor">
+            <a:schemeClr val="lt1"/>
+          </a:fontRef>
+        </p:style>
+        <p:txBody>
+          <a:bodyPr rtlCol="0" anchor="ctr"/>
+          <a:lstStyle/>
+          <a:p>
+            <a:pPr algn="ctr"/>
+            <a:endParaRPr lang="en-US" sz="1600" dirty="0"/>
+          </a:p>
+        </p:txBody>
+      </p:sp>
+      <p:sp>
+        <p:nvSpPr>
+          <p:cNvPr id="13" name="Oval 12"/>
+          <p:cNvSpPr/>
+          <p:nvPr/>
+        </p:nvSpPr>
+        <p:spPr>
+          <a:xfrm>
+            <a:off x="4708358" y="3144253"/>
+            <a:ext cx="348916" cy="240632"/>
+          </a:xfrm>
+          <a:prstGeom prst="ellipse">
+            <a:avLst/>
+          </a:prstGeom>
+        </p:spPr>
+        <p:style>
+          <a:lnRef idx="2">
+            <a:schemeClr val="accent4">
+              <a:shade val="50000"/>
+            </a:schemeClr>
+          </a:lnRef>
+          <a:fillRef idx="1">
+            <a:schemeClr val="accent4"/>
+          </a:fillRef>
+          <a:effectRef idx="0">
+            <a:schemeClr val="accent4"/>
+          </a:effectRef>
+          <a:fontRef idx="minor">
+            <a:schemeClr val="lt1"/>
+          </a:fontRef>
+        </p:style>
+        <p:txBody>
+          <a:bodyPr rtlCol="0" anchor="ctr"/>
+          <a:lstStyle/>
+          <a:p>
+            <a:pPr algn="ctr"/>
+            <a:endParaRPr lang="en-US" sz="1600" dirty="0"/>
+          </a:p>
+        </p:txBody>
+      </p:sp>
+      <p:sp>
+        <p:nvSpPr>
+          <p:cNvPr id="14" name="Rectangle 13"/>
+          <p:cNvSpPr/>
+          <p:nvPr/>
+        </p:nvSpPr>
+        <p:spPr>
+          <a:xfrm>
+            <a:off x="3978442" y="4255168"/>
+            <a:ext cx="1359569" cy="757989"/>
+          </a:xfrm>
+          <a:prstGeom prst="rect">
+            <a:avLst/>
+          </a:prstGeom>
+        </p:spPr>
+        <p:style>
+          <a:lnRef idx="1">
+            <a:schemeClr val="accent1"/>
+          </a:lnRef>
+          <a:fillRef idx="2">
+            <a:schemeClr val="accent1"/>
+          </a:fillRef>
+          <a:effectRef idx="1">
+            <a:schemeClr val="accent1"/>
+          </a:effectRef>
+          <a:fontRef idx="minor">
+            <a:schemeClr val="dk1"/>
+          </a:fontRef>
+        </p:style>
+        <p:txBody>
+          <a:bodyPr rtlCol="0" anchor="ctr"/>
+          <a:lstStyle/>
+          <a:p>
+            <a:pPr algn="ctr"/>
+            <a:endParaRPr lang="en-US" sz="1600"/>
+          </a:p>
+        </p:txBody>
+      </p:sp>
+      <p:sp>
+        <p:nvSpPr>
+          <p:cNvPr id="15" name="Oval 14"/>
+          <p:cNvSpPr/>
+          <p:nvPr/>
+        </p:nvSpPr>
+        <p:spPr>
+          <a:xfrm>
+            <a:off x="4098758" y="4351421"/>
+            <a:ext cx="348916" cy="240632"/>
+          </a:xfrm>
+          <a:prstGeom prst="ellipse">
+            <a:avLst/>
+          </a:prstGeom>
+        </p:spPr>
+        <p:style>
+          <a:lnRef idx="2">
+            <a:schemeClr val="accent4">
+              <a:shade val="50000"/>
+            </a:schemeClr>
+          </a:lnRef>
+          <a:fillRef idx="1">
+            <a:schemeClr val="accent4"/>
+          </a:fillRef>
+          <a:effectRef idx="0">
+            <a:schemeClr val="accent4"/>
+          </a:effectRef>
+          <a:fontRef idx="minor">
+            <a:schemeClr val="lt1"/>
+          </a:fontRef>
+        </p:style>
+        <p:txBody>
+          <a:bodyPr rtlCol="0" anchor="ctr"/>
+          <a:lstStyle/>
+          <a:p>
+            <a:pPr algn="ctr"/>
+            <a:endParaRPr lang="en-US" sz="1600" dirty="0"/>
+          </a:p>
+        </p:txBody>
+      </p:sp>
+      <p:sp>
+        <p:nvSpPr>
+          <p:cNvPr id="16" name="Oval 15"/>
+          <p:cNvSpPr/>
+          <p:nvPr/>
+        </p:nvSpPr>
+        <p:spPr>
+          <a:xfrm>
+            <a:off x="4720390" y="4636168"/>
+            <a:ext cx="348916" cy="240632"/>
+          </a:xfrm>
+          <a:prstGeom prst="ellipse">
+            <a:avLst/>
+          </a:prstGeom>
+        </p:spPr>
+        <p:style>
+          <a:lnRef idx="2">
+            <a:schemeClr val="accent4">
+              <a:shade val="50000"/>
+            </a:schemeClr>
+          </a:lnRef>
+          <a:fillRef idx="1">
+            <a:schemeClr val="accent4"/>
+          </a:fillRef>
+          <a:effectRef idx="0">
+            <a:schemeClr val="accent4"/>
+          </a:effectRef>
+          <a:fontRef idx="minor">
+            <a:schemeClr val="lt1"/>
+          </a:fontRef>
+        </p:style>
+        <p:txBody>
+          <a:bodyPr rtlCol="0" anchor="ctr"/>
+          <a:lstStyle/>
+          <a:p>
+            <a:pPr algn="ctr"/>
+            <a:endParaRPr lang="en-US" sz="1600" dirty="0"/>
+          </a:p>
+        </p:txBody>
+      </p:sp>
+      <p:sp>
+        <p:nvSpPr>
+          <p:cNvPr id="17" name="Rectangle 16"/>
+          <p:cNvSpPr/>
+          <p:nvPr/>
+        </p:nvSpPr>
+        <p:spPr>
+          <a:xfrm>
+            <a:off x="6785811" y="2646948"/>
+            <a:ext cx="1720516" cy="986589"/>
+          </a:xfrm>
+          <a:prstGeom prst="rect">
+            <a:avLst/>
+          </a:prstGeom>
+        </p:spPr>
+        <p:style>
+          <a:lnRef idx="2">
+            <a:schemeClr val="accent1">
+              <a:shade val="50000"/>
+            </a:schemeClr>
+          </a:lnRef>
+          <a:fillRef idx="1">
+            <a:schemeClr val="accent1"/>
+          </a:fillRef>
+          <a:effectRef idx="0">
+            <a:schemeClr val="accent1"/>
+          </a:effectRef>
+          <a:fontRef idx="minor">
+            <a:schemeClr val="lt1"/>
+          </a:fontRef>
+        </p:style>
+        <p:txBody>
+          <a:bodyPr rtlCol="0" anchor="ctr"/>
+          <a:lstStyle/>
+          <a:p>
+            <a:pPr algn="ctr"/>
+            <a:r>
+              <a:rPr lang="en-US" sz="2400" b="1" dirty="0" smtClean="0"/>
+              <a:t>ATS</a:t>
+            </a:r>
+            <a:endParaRPr lang="en-US" b="1" dirty="0"/>
+          </a:p>
+        </p:txBody>
+      </p:sp>
+      <p:sp>
+        <p:nvSpPr>
+          <p:cNvPr id="18" name="Can 17"/>
+          <p:cNvSpPr/>
+          <p:nvPr/>
+        </p:nvSpPr>
+        <p:spPr>
+          <a:xfrm>
+            <a:off x="7086600" y="4403556"/>
+            <a:ext cx="1094873" cy="1130969"/>
+          </a:xfrm>
+          <a:prstGeom prst="can">
+            <a:avLst/>
+          </a:prstGeom>
+        </p:spPr>
+        <p:style>
+          <a:lnRef idx="1">
+            <a:schemeClr val="accent4"/>
+          </a:lnRef>
+          <a:fillRef idx="3">
+            <a:schemeClr val="accent4"/>
+          </a:fillRef>
+          <a:effectRef idx="2">
+            <a:schemeClr val="accent4"/>
+          </a:effectRef>
+          <a:fontRef idx="minor">
+            <a:schemeClr val="lt1"/>
+          </a:fontRef>
+        </p:style>
+        <p:txBody>
+          <a:bodyPr rtlCol="0" anchor="ctr"/>
+          <a:lstStyle/>
+          <a:p>
+            <a:pPr algn="ctr"/>
+            <a:r>
+              <a:rPr lang="en-US" dirty="0" smtClean="0"/>
+              <a:t>Database</a:t>
+            </a:r>
+            <a:endParaRPr lang="en-US" dirty="0"/>
           </a:p>
         </p:txBody>
       </p:sp>
@@ -3652,7 +4078,7 @@
           <a:bodyPr/>
           <a:lstStyle/>
           <a:p>
-            <a:endParaRPr lang="en-US"/>
+            <a:endParaRPr lang="en-US" dirty="0"/>
           </a:p>
         </p:txBody>
       </p:sp>
@@ -3696,7 +4122,12 @@
             <p:ph type="title"/>
           </p:nvPr>
         </p:nvSpPr>
-        <p:spPr/>
+        <p:spPr>
+          <a:xfrm>
+            <a:off x="252919" y="1123837"/>
+            <a:ext cx="2730913" cy="4601183"/>
+          </a:xfrm>
+        </p:spPr>
         <p:txBody>
           <a:bodyPr/>
           <a:lstStyle/>
@@ -3709,25 +4140,95 @@
           </a:p>
         </p:txBody>
       </p:sp>
-      <p:sp>
-        <p:nvSpPr>
-          <p:cNvPr id="3" name="Content Placeholder 2"/>
-          <p:cNvSpPr>
-            <a:spLocks noGrp="1"/>
-          </p:cNvSpPr>
+      <p:pic>
+        <p:nvPicPr>
+          <p:cNvPr id="4" name="Content Placeholder 3"/>
+          <p:cNvPicPr>
+            <a:picLocks noGrp="1" noChangeAspect="1"/>
+          </p:cNvPicPr>
           <p:nvPr>
             <p:ph idx="1"/>
           </p:nvPr>
-        </p:nvSpPr>
-        <p:spPr/>
-        <p:txBody>
-          <a:bodyPr/>
-          <a:lstStyle/>
-          <a:p>
-            <a:endParaRPr lang="en-US"/>
-          </a:p>
-        </p:txBody>
-      </p:sp>
+        </p:nvPicPr>
+        <p:blipFill>
+          <a:blip r:embed="rId2">
+            <a:extLst>
+              <a:ext uri="{28A0092B-C50C-407E-A947-70E740481C1C}">
+                <a14:useLocalDpi xmlns:a14="http://schemas.microsoft.com/office/drawing/2010/main" val="0"/>
+              </a:ext>
+            </a:extLst>
+          </a:blip>
+          <a:stretch>
+            <a:fillRect/>
+          </a:stretch>
+        </p:blipFill>
+        <p:spPr>
+          <a:xfrm>
+            <a:off x="6105008" y="1190875"/>
+            <a:ext cx="2409524" cy="4009524"/>
+          </a:xfrm>
+        </p:spPr>
+      </p:pic>
+      <p:pic>
+        <p:nvPicPr>
+          <p:cNvPr id="5" name="Picture 4"/>
+          <p:cNvPicPr>
+            <a:picLocks noChangeAspect="1"/>
+          </p:cNvPicPr>
+          <p:nvPr/>
+        </p:nvPicPr>
+        <p:blipFill>
+          <a:blip r:embed="rId3">
+            <a:extLst>
+              <a:ext uri="{28A0092B-C50C-407E-A947-70E740481C1C}">
+                <a14:useLocalDpi xmlns:a14="http://schemas.microsoft.com/office/drawing/2010/main" val="0"/>
+              </a:ext>
+            </a:extLst>
+          </a:blip>
+          <a:stretch>
+            <a:fillRect/>
+          </a:stretch>
+        </p:blipFill>
+        <p:spPr>
+          <a:xfrm>
+            <a:off x="3536433" y="127081"/>
+            <a:ext cx="2400000" cy="3980952"/>
+          </a:xfrm>
+          <a:prstGeom prst="rect">
+            <a:avLst/>
+          </a:prstGeom>
+        </p:spPr>
+      </p:pic>
+      <p:pic>
+        <p:nvPicPr>
+          <p:cNvPr id="6" name="Picture 5"/>
+          <p:cNvPicPr>
+            <a:picLocks noChangeAspect="1"/>
+          </p:cNvPicPr>
+          <p:nvPr/>
+        </p:nvPicPr>
+        <p:blipFill>
+          <a:blip r:embed="rId4">
+            <a:extLst>
+              <a:ext uri="{28A0092B-C50C-407E-A947-70E740481C1C}">
+                <a14:useLocalDpi xmlns:a14="http://schemas.microsoft.com/office/drawing/2010/main" val="0"/>
+              </a:ext>
+            </a:extLst>
+          </a:blip>
+          <a:stretch>
+            <a:fillRect/>
+          </a:stretch>
+        </p:blipFill>
+        <p:spPr>
+          <a:xfrm>
+            <a:off x="8842357" y="2297781"/>
+            <a:ext cx="2400000" cy="4019048"/>
+          </a:xfrm>
+          <a:prstGeom prst="rect">
+            <a:avLst/>
+          </a:prstGeom>
+        </p:spPr>
+      </p:pic>
     </p:spTree>
     <p:extLst>
       <p:ext uri="{BB962C8B-B14F-4D97-AF65-F5344CB8AC3E}">

--- a/Presentation/Automatic Ticketing System (ATS).pptx
+++ b/Presentation/Automatic Ticketing System (ATS).pptx
@@ -7,11 +7,12 @@
   <p:sldIdLst>
     <p:sldId id="256" r:id="rId2"/>
     <p:sldId id="257" r:id="rId3"/>
-    <p:sldId id="258" r:id="rId4"/>
-    <p:sldId id="260" r:id="rId5"/>
-    <p:sldId id="259" r:id="rId6"/>
-    <p:sldId id="261" r:id="rId7"/>
-    <p:sldId id="262" r:id="rId8"/>
+    <p:sldId id="263" r:id="rId4"/>
+    <p:sldId id="258" r:id="rId5"/>
+    <p:sldId id="260" r:id="rId6"/>
+    <p:sldId id="259" r:id="rId7"/>
+    <p:sldId id="261" r:id="rId8"/>
+    <p:sldId id="262" r:id="rId9"/>
   </p:sldIdLst>
   <p:sldSz cx="12192000" cy="6858000"/>
   <p:notesSz cx="6858000" cy="9144000"/>
@@ -244,7 +245,7 @@
           </a:lstStyle>
           <a:p>
             <a:r>
-              <a:rPr lang="en-US" smtClean="0"/>
+              <a:rPr lang="en-US"/>
               <a:t>Click to edit Master title style</a:t>
             </a:r>
             <a:endParaRPr lang="en-US" dirty="0"/>
@@ -318,7 +319,7 @@
           </a:lstStyle>
           <a:p>
             <a:r>
-              <a:rPr lang="en-US" smtClean="0"/>
+              <a:rPr lang="en-US"/>
               <a:t>Click to edit Master subtitle style</a:t>
             </a:r>
             <a:endParaRPr lang="en-US" dirty="0"/>
@@ -433,7 +434,7 @@
           <a:lstStyle/>
           <a:p>
             <a:r>
-              <a:rPr lang="en-US" smtClean="0"/>
+              <a:rPr lang="en-US"/>
               <a:t>Click to edit Master title style</a:t>
             </a:r>
             <a:endParaRPr lang="en-US" dirty="0"/>
@@ -457,35 +458,35 @@
           <a:p>
             <a:pPr lvl="0"/>
             <a:r>
-              <a:rPr lang="en-US" smtClean="0"/>
+              <a:rPr lang="en-US"/>
               <a:t>Click to edit Master text styles</a:t>
             </a:r>
           </a:p>
           <a:p>
             <a:pPr lvl="1"/>
             <a:r>
-              <a:rPr lang="en-US" smtClean="0"/>
+              <a:rPr lang="en-US"/>
               <a:t>Second level</a:t>
             </a:r>
           </a:p>
           <a:p>
             <a:pPr lvl="2"/>
             <a:r>
-              <a:rPr lang="en-US" smtClean="0"/>
+              <a:rPr lang="en-US"/>
               <a:t>Third level</a:t>
             </a:r>
           </a:p>
           <a:p>
             <a:pPr lvl="3"/>
             <a:r>
-              <a:rPr lang="en-US" smtClean="0"/>
+              <a:rPr lang="en-US"/>
               <a:t>Fourth level</a:t>
             </a:r>
           </a:p>
           <a:p>
             <a:pPr lvl="4"/>
             <a:r>
-              <a:rPr lang="en-US" smtClean="0"/>
+              <a:rPr lang="en-US"/>
               <a:t>Fifth level</a:t>
             </a:r>
             <a:endParaRPr lang="en-US" dirty="0"/>
@@ -605,7 +606,7 @@
           <a:lstStyle/>
           <a:p>
             <a:r>
-              <a:rPr lang="en-US" smtClean="0"/>
+              <a:rPr lang="en-US"/>
               <a:t>Click to edit Master title style</a:t>
             </a:r>
             <a:endParaRPr lang="en-US" dirty="0"/>
@@ -634,35 +635,35 @@
           <a:p>
             <a:pPr lvl="0"/>
             <a:r>
-              <a:rPr lang="en-US" smtClean="0"/>
+              <a:rPr lang="en-US"/>
               <a:t>Click to edit Master text styles</a:t>
             </a:r>
           </a:p>
           <a:p>
             <a:pPr lvl="1"/>
             <a:r>
-              <a:rPr lang="en-US" smtClean="0"/>
+              <a:rPr lang="en-US"/>
               <a:t>Second level</a:t>
             </a:r>
           </a:p>
           <a:p>
             <a:pPr lvl="2"/>
             <a:r>
-              <a:rPr lang="en-US" smtClean="0"/>
+              <a:rPr lang="en-US"/>
               <a:t>Third level</a:t>
             </a:r>
           </a:p>
           <a:p>
             <a:pPr lvl="3"/>
             <a:r>
-              <a:rPr lang="en-US" smtClean="0"/>
+              <a:rPr lang="en-US"/>
               <a:t>Fourth level</a:t>
             </a:r>
           </a:p>
           <a:p>
             <a:pPr lvl="4"/>
             <a:r>
-              <a:rPr lang="en-US" smtClean="0"/>
+              <a:rPr lang="en-US"/>
               <a:t>Fifth level</a:t>
             </a:r>
             <a:endParaRPr lang="en-US" dirty="0"/>
@@ -777,7 +778,7 @@
           <a:lstStyle/>
           <a:p>
             <a:r>
-              <a:rPr lang="en-US" smtClean="0"/>
+              <a:rPr lang="en-US"/>
               <a:t>Click to edit Master title style</a:t>
             </a:r>
             <a:endParaRPr lang="en-US" dirty="0"/>
@@ -801,35 +802,35 @@
           <a:p>
             <a:pPr lvl="0"/>
             <a:r>
-              <a:rPr lang="en-US" smtClean="0"/>
+              <a:rPr lang="en-US"/>
               <a:t>Click to edit Master text styles</a:t>
             </a:r>
           </a:p>
           <a:p>
             <a:pPr lvl="1"/>
             <a:r>
-              <a:rPr lang="en-US" smtClean="0"/>
+              <a:rPr lang="en-US"/>
               <a:t>Second level</a:t>
             </a:r>
           </a:p>
           <a:p>
             <a:pPr lvl="2"/>
             <a:r>
-              <a:rPr lang="en-US" smtClean="0"/>
+              <a:rPr lang="en-US"/>
               <a:t>Third level</a:t>
             </a:r>
           </a:p>
           <a:p>
             <a:pPr lvl="3"/>
             <a:r>
-              <a:rPr lang="en-US" smtClean="0"/>
+              <a:rPr lang="en-US"/>
               <a:t>Fourth level</a:t>
             </a:r>
           </a:p>
           <a:p>
             <a:pPr lvl="4"/>
             <a:r>
-              <a:rPr lang="en-US" smtClean="0"/>
+              <a:rPr lang="en-US"/>
               <a:t>Fifth level</a:t>
             </a:r>
             <a:endParaRPr lang="en-US" dirty="0"/>
@@ -962,7 +963,7 @@
           </a:lstStyle>
           <a:p>
             <a:r>
-              <a:rPr lang="en-US" smtClean="0"/>
+              <a:rPr lang="en-US"/>
               <a:t>Click to edit Master title style</a:t>
             </a:r>
             <a:endParaRPr lang="en-US" dirty="0"/>
@@ -1085,7 +1086,7 @@
           <a:p>
             <a:pPr lvl="0"/>
             <a:r>
-              <a:rPr lang="en-US" smtClean="0"/>
+              <a:rPr lang="en-US"/>
               <a:t>Click to edit Master text styles</a:t>
             </a:r>
           </a:p>
@@ -1199,7 +1200,7 @@
           <a:lstStyle/>
           <a:p>
             <a:r>
-              <a:rPr lang="en-US" smtClean="0"/>
+              <a:rPr lang="en-US"/>
               <a:t>Click to edit Master title style</a:t>
             </a:r>
             <a:endParaRPr lang="en-US" dirty="0"/>
@@ -1256,35 +1257,35 @@
           <a:p>
             <a:pPr lvl="0"/>
             <a:r>
-              <a:rPr lang="en-US" smtClean="0"/>
+              <a:rPr lang="en-US"/>
               <a:t>Click to edit Master text styles</a:t>
             </a:r>
           </a:p>
           <a:p>
             <a:pPr lvl="1"/>
             <a:r>
-              <a:rPr lang="en-US" smtClean="0"/>
+              <a:rPr lang="en-US"/>
               <a:t>Second level</a:t>
             </a:r>
           </a:p>
           <a:p>
             <a:pPr lvl="2"/>
             <a:r>
-              <a:rPr lang="en-US" smtClean="0"/>
+              <a:rPr lang="en-US"/>
               <a:t>Third level</a:t>
             </a:r>
           </a:p>
           <a:p>
             <a:pPr lvl="3"/>
             <a:r>
-              <a:rPr lang="en-US" smtClean="0"/>
+              <a:rPr lang="en-US"/>
               <a:t>Fourth level</a:t>
             </a:r>
           </a:p>
           <a:p>
             <a:pPr lvl="4"/>
             <a:r>
-              <a:rPr lang="en-US" smtClean="0"/>
+              <a:rPr lang="en-US"/>
               <a:t>Fifth level</a:t>
             </a:r>
             <a:endParaRPr lang="en-US" dirty="0"/>
@@ -1341,35 +1342,35 @@
           <a:p>
             <a:pPr lvl="0"/>
             <a:r>
-              <a:rPr lang="en-US" smtClean="0"/>
+              <a:rPr lang="en-US"/>
               <a:t>Click to edit Master text styles</a:t>
             </a:r>
           </a:p>
           <a:p>
             <a:pPr lvl="1"/>
             <a:r>
-              <a:rPr lang="en-US" smtClean="0"/>
+              <a:rPr lang="en-US"/>
               <a:t>Second level</a:t>
             </a:r>
           </a:p>
           <a:p>
             <a:pPr lvl="2"/>
             <a:r>
-              <a:rPr lang="en-US" smtClean="0"/>
+              <a:rPr lang="en-US"/>
               <a:t>Third level</a:t>
             </a:r>
           </a:p>
           <a:p>
             <a:pPr lvl="3"/>
             <a:r>
-              <a:rPr lang="en-US" smtClean="0"/>
+              <a:rPr lang="en-US"/>
               <a:t>Fourth level</a:t>
             </a:r>
           </a:p>
           <a:p>
             <a:pPr lvl="4"/>
             <a:r>
-              <a:rPr lang="en-US" smtClean="0"/>
+              <a:rPr lang="en-US"/>
               <a:t>Fifth level</a:t>
             </a:r>
             <a:endParaRPr lang="en-US" dirty="0"/>
@@ -1484,7 +1485,7 @@
           <a:lstStyle/>
           <a:p>
             <a:r>
-              <a:rPr lang="en-US" smtClean="0"/>
+              <a:rPr lang="en-US"/>
               <a:t>Click to edit Master title style</a:t>
             </a:r>
             <a:endParaRPr lang="en-US" dirty="0"/>
@@ -1562,7 +1563,7 @@
           <a:p>
             <a:pPr lvl="0"/>
             <a:r>
-              <a:rPr lang="en-US" smtClean="0"/>
+              <a:rPr lang="en-US"/>
               <a:t>Click to edit Master text styles</a:t>
             </a:r>
           </a:p>
@@ -1618,35 +1619,35 @@
           <a:p>
             <a:pPr lvl="0"/>
             <a:r>
-              <a:rPr lang="en-US" smtClean="0"/>
+              <a:rPr lang="en-US"/>
               <a:t>Click to edit Master text styles</a:t>
             </a:r>
           </a:p>
           <a:p>
             <a:pPr lvl="1"/>
             <a:r>
-              <a:rPr lang="en-US" smtClean="0"/>
+              <a:rPr lang="en-US"/>
               <a:t>Second level</a:t>
             </a:r>
           </a:p>
           <a:p>
             <a:pPr lvl="2"/>
             <a:r>
-              <a:rPr lang="en-US" smtClean="0"/>
+              <a:rPr lang="en-US"/>
               <a:t>Third level</a:t>
             </a:r>
           </a:p>
           <a:p>
             <a:pPr lvl="3"/>
             <a:r>
-              <a:rPr lang="en-US" smtClean="0"/>
+              <a:rPr lang="en-US"/>
               <a:t>Fourth level</a:t>
             </a:r>
           </a:p>
           <a:p>
             <a:pPr lvl="4"/>
             <a:r>
-              <a:rPr lang="en-US" smtClean="0"/>
+              <a:rPr lang="en-US"/>
               <a:t>Fifth level</a:t>
             </a:r>
             <a:endParaRPr lang="en-US" dirty="0"/>
@@ -1724,7 +1725,7 @@
           <a:p>
             <a:pPr lvl="0"/>
             <a:r>
-              <a:rPr lang="en-US" smtClean="0"/>
+              <a:rPr lang="en-US"/>
               <a:t>Click to edit Master text styles</a:t>
             </a:r>
           </a:p>
@@ -1780,35 +1781,35 @@
           <a:p>
             <a:pPr lvl="0"/>
             <a:r>
-              <a:rPr lang="en-US" smtClean="0"/>
+              <a:rPr lang="en-US"/>
               <a:t>Click to edit Master text styles</a:t>
             </a:r>
           </a:p>
           <a:p>
             <a:pPr lvl="1"/>
             <a:r>
-              <a:rPr lang="en-US" smtClean="0"/>
+              <a:rPr lang="en-US"/>
               <a:t>Second level</a:t>
             </a:r>
           </a:p>
           <a:p>
             <a:pPr lvl="2"/>
             <a:r>
-              <a:rPr lang="en-US" smtClean="0"/>
+              <a:rPr lang="en-US"/>
               <a:t>Third level</a:t>
             </a:r>
           </a:p>
           <a:p>
             <a:pPr lvl="3"/>
             <a:r>
-              <a:rPr lang="en-US" smtClean="0"/>
+              <a:rPr lang="en-US"/>
               <a:t>Fourth level</a:t>
             </a:r>
           </a:p>
           <a:p>
             <a:pPr lvl="4"/>
             <a:r>
-              <a:rPr lang="en-US" smtClean="0"/>
+              <a:rPr lang="en-US"/>
               <a:t>Fifth level</a:t>
             </a:r>
             <a:endParaRPr lang="en-US" dirty="0"/>
@@ -1923,7 +1924,7 @@
           <a:lstStyle/>
           <a:p>
             <a:r>
-              <a:rPr lang="en-US" smtClean="0"/>
+              <a:rPr lang="en-US"/>
               <a:t>Click to edit Master title style</a:t>
             </a:r>
             <a:endParaRPr lang="en-US" dirty="0"/>
@@ -2141,7 +2142,7 @@
           </a:lstStyle>
           <a:p>
             <a:r>
-              <a:rPr lang="en-US" smtClean="0"/>
+              <a:rPr lang="en-US"/>
               <a:t>Click to edit Master title style</a:t>
             </a:r>
             <a:endParaRPr lang="en-US" dirty="0"/>
@@ -2198,35 +2199,35 @@
           <a:p>
             <a:pPr lvl="0"/>
             <a:r>
-              <a:rPr lang="en-US" smtClean="0"/>
+              <a:rPr lang="en-US"/>
               <a:t>Click to edit Master text styles</a:t>
             </a:r>
           </a:p>
           <a:p>
             <a:pPr lvl="1"/>
             <a:r>
-              <a:rPr lang="en-US" smtClean="0"/>
+              <a:rPr lang="en-US"/>
               <a:t>Second level</a:t>
             </a:r>
           </a:p>
           <a:p>
             <a:pPr lvl="2"/>
             <a:r>
-              <a:rPr lang="en-US" smtClean="0"/>
+              <a:rPr lang="en-US"/>
               <a:t>Third level</a:t>
             </a:r>
           </a:p>
           <a:p>
             <a:pPr lvl="3"/>
             <a:r>
-              <a:rPr lang="en-US" smtClean="0"/>
+              <a:rPr lang="en-US"/>
               <a:t>Fourth level</a:t>
             </a:r>
           </a:p>
           <a:p>
             <a:pPr lvl="4"/>
             <a:r>
-              <a:rPr lang="en-US" smtClean="0"/>
+              <a:rPr lang="en-US"/>
               <a:t>Fifth level</a:t>
             </a:r>
             <a:endParaRPr lang="en-US" dirty="0"/>
@@ -2301,7 +2302,7 @@
           <a:p>
             <a:pPr lvl="0"/>
             <a:r>
-              <a:rPr lang="en-US" smtClean="0"/>
+              <a:rPr lang="en-US"/>
               <a:t>Click to edit Master text styles</a:t>
             </a:r>
           </a:p>
@@ -2426,7 +2427,7 @@
           </a:lstStyle>
           <a:p>
             <a:r>
-              <a:rPr lang="en-US" smtClean="0"/>
+              <a:rPr lang="en-US"/>
               <a:t>Click to edit Master title style</a:t>
             </a:r>
             <a:endParaRPr lang="en-US" dirty="0"/>
@@ -2496,7 +2497,7 @@
           </a:lstStyle>
           <a:p>
             <a:r>
-              <a:rPr lang="en-US" smtClean="0"/>
+              <a:rPr lang="en-US"/>
               <a:t>Click icon to add picture</a:t>
             </a:r>
             <a:endParaRPr lang="en-US" dirty="0"/>
@@ -2571,7 +2572,7 @@
           <a:p>
             <a:pPr lvl="0"/>
             <a:r>
-              <a:rPr lang="en-US" smtClean="0"/>
+              <a:rPr lang="en-US"/>
               <a:t>Click to edit Master text styles</a:t>
             </a:r>
           </a:p>
@@ -2743,7 +2744,7 @@
           <a:lstStyle/>
           <a:p>
             <a:r>
-              <a:rPr lang="en-US" smtClean="0"/>
+              <a:rPr lang="en-US"/>
               <a:t>Click to edit Master title style</a:t>
             </a:r>
             <a:endParaRPr lang="en-US" dirty="0"/>
@@ -2817,35 +2818,35 @@
           <a:p>
             <a:pPr lvl="0"/>
             <a:r>
-              <a:rPr lang="en-US" smtClean="0"/>
+              <a:rPr lang="en-US"/>
               <a:t>Click to edit Master text styles</a:t>
             </a:r>
           </a:p>
           <a:p>
             <a:pPr lvl="1"/>
             <a:r>
-              <a:rPr lang="en-US" smtClean="0"/>
+              <a:rPr lang="en-US"/>
               <a:t>Second level</a:t>
             </a:r>
           </a:p>
           <a:p>
             <a:pPr lvl="2"/>
             <a:r>
-              <a:rPr lang="en-US" smtClean="0"/>
+              <a:rPr lang="en-US"/>
               <a:t>Third level</a:t>
             </a:r>
           </a:p>
           <a:p>
             <a:pPr lvl="3"/>
             <a:r>
-              <a:rPr lang="en-US" smtClean="0"/>
+              <a:rPr lang="en-US"/>
               <a:t>Fourth level</a:t>
             </a:r>
           </a:p>
           <a:p>
             <a:pPr lvl="4"/>
             <a:r>
-              <a:rPr lang="en-US" smtClean="0"/>
+              <a:rPr lang="en-US"/>
               <a:t>Fifth level</a:t>
             </a:r>
             <a:endParaRPr lang="en-US" dirty="0"/>
@@ -3391,10 +3392,9 @@
           <a:lstStyle/>
           <a:p>
             <a:r>
-              <a:rPr lang="en-US" sz="6000" dirty="0" smtClean="0"/>
+              <a:rPr lang="en-US" sz="6000" dirty="0"/>
               <a:t>Automatic Ticketing System (ATS)</a:t>
             </a:r>
-            <a:endParaRPr lang="en-US" sz="6000" dirty="0"/>
           </a:p>
         </p:txBody>
       </p:sp>
@@ -3421,27 +3421,26 @@
           <a:lstStyle/>
           <a:p>
             <a:r>
-              <a:rPr lang="en-US" sz="2000" dirty="0" smtClean="0"/>
+              <a:rPr lang="en-US" sz="2000" dirty="0"/>
               <a:t>Group: </a:t>
             </a:r>
             <a:r>
-              <a:rPr lang="en-US" sz="2000" dirty="0" err="1" smtClean="0"/>
+              <a:rPr lang="en-US" sz="2000" dirty="0" err="1"/>
               <a:t>SenseIT</a:t>
             </a:r>
-            <a:endParaRPr lang="en-US" sz="2000" dirty="0" smtClean="0"/>
-          </a:p>
-          <a:p>
-            <a:r>
-              <a:rPr lang="en-US" sz="2000" dirty="0" smtClean="0"/>
+            <a:endParaRPr lang="en-US" sz="2000" dirty="0"/>
+          </a:p>
+          <a:p>
+            <a:r>
+              <a:rPr lang="en-US" sz="2000" dirty="0"/>
               <a:t>Intelligent Buildings</a:t>
             </a:r>
           </a:p>
           <a:p>
             <a:r>
-              <a:rPr lang="en-US" sz="2000" dirty="0" smtClean="0"/>
+              <a:rPr lang="en-US" sz="2000" dirty="0"/>
               <a:t>Junction 2016</a:t>
             </a:r>
-            <a:endParaRPr lang="en-US" sz="2000" dirty="0"/>
           </a:p>
         </p:txBody>
       </p:sp>
@@ -3491,10 +3490,9 @@
           <a:lstStyle/>
           <a:p>
             <a:r>
-              <a:rPr lang="en-US" dirty="0" smtClean="0"/>
+              <a:rPr lang="en-US" dirty="0"/>
               <a:t>Opportunity</a:t>
             </a:r>
-            <a:endParaRPr lang="en-US" dirty="0"/>
           </a:p>
         </p:txBody>
       </p:sp>
@@ -3508,12 +3506,149 @@
             <p:ph idx="1"/>
           </p:nvPr>
         </p:nvSpPr>
-        <p:spPr/>
-        <p:txBody>
-          <a:bodyPr/>
-          <a:lstStyle/>
-          <a:p>
-            <a:endParaRPr lang="en-US"/>
+        <p:spPr>
+          <a:xfrm>
+            <a:off x="4590484" y="2692908"/>
+            <a:ext cx="6845955" cy="3604861"/>
+          </a:xfrm>
+        </p:spPr>
+        <p:txBody>
+          <a:bodyPr/>
+          <a:lstStyle/>
+          <a:p>
+            <a:endParaRPr lang="es-419" dirty="0"/>
+          </a:p>
+          <a:p>
+            <a:pPr>
+              <a:buFont typeface="Wingdings" panose="05000000000000000000" pitchFamily="2" charset="2"/>
+              <a:buChar char="Ø"/>
+            </a:pPr>
+            <a:r>
+              <a:rPr lang="en-US" dirty="0"/>
+              <a:t>Running out of daily office supplies.</a:t>
+            </a:r>
+          </a:p>
+          <a:p>
+            <a:pPr>
+              <a:buFont typeface="Wingdings" panose="05000000000000000000" pitchFamily="2" charset="2"/>
+              <a:buChar char="Ø"/>
+            </a:pPr>
+            <a:r>
+              <a:rPr lang="en-US" dirty="0"/>
+              <a:t>Oblivious</a:t>
+            </a:r>
+            <a:r>
+              <a:rPr lang="es-419" dirty="0"/>
+              <a:t> </a:t>
+            </a:r>
+            <a:r>
+              <a:rPr lang="en-US" dirty="0"/>
+              <a:t>maintenance</a:t>
+            </a:r>
+            <a:r>
+              <a:rPr lang="es-419" dirty="0"/>
+              <a:t> </a:t>
+            </a:r>
+            <a:r>
+              <a:rPr lang="en-US" dirty="0"/>
+              <a:t>tasks</a:t>
+            </a:r>
+            <a:r>
+              <a:rPr lang="es-419" dirty="0"/>
+              <a:t>.</a:t>
+            </a:r>
+          </a:p>
+          <a:p>
+            <a:pPr>
+              <a:buFont typeface="Wingdings" panose="05000000000000000000" pitchFamily="2" charset="2"/>
+              <a:buChar char="Ø"/>
+            </a:pPr>
+            <a:r>
+              <a:rPr lang="es-419" dirty="0"/>
+              <a:t>Human </a:t>
+            </a:r>
+            <a:r>
+              <a:rPr lang="en-US" dirty="0"/>
+              <a:t>resource</a:t>
+            </a:r>
+            <a:r>
+              <a:rPr lang="es-419" dirty="0"/>
+              <a:t> </a:t>
+            </a:r>
+            <a:r>
+              <a:rPr lang="en-US" dirty="0"/>
+              <a:t>waste</a:t>
+            </a:r>
+            <a:r>
+              <a:rPr lang="es-419" dirty="0"/>
+              <a:t> </a:t>
+            </a:r>
+            <a:r>
+              <a:rPr lang="en-US" dirty="0"/>
+              <a:t>on tedious tasks.</a:t>
+            </a:r>
+          </a:p>
+          <a:p>
+            <a:pPr lvl="1">
+              <a:buFont typeface="Wingdings" panose="05000000000000000000" pitchFamily="2" charset="2"/>
+              <a:buChar char="§"/>
+            </a:pPr>
+            <a:r>
+              <a:rPr lang="en-US" dirty="0"/>
+              <a:t>Floor inspection.</a:t>
+            </a:r>
+          </a:p>
+          <a:p>
+            <a:pPr lvl="1">
+              <a:buFont typeface="Wingdings" panose="05000000000000000000" pitchFamily="2" charset="2"/>
+              <a:buChar char="§"/>
+            </a:pPr>
+            <a:r>
+              <a:rPr lang="en-US" dirty="0"/>
+              <a:t>Assign  repetitive activities.</a:t>
+            </a:r>
+          </a:p>
+          <a:p>
+            <a:pPr lvl="1">
+              <a:buFont typeface="Wingdings" panose="05000000000000000000" pitchFamily="2" charset="2"/>
+              <a:buChar char="§"/>
+            </a:pPr>
+            <a:r>
+              <a:rPr lang="en-US" dirty="0"/>
+              <a:t>Signing inspection papers.</a:t>
+            </a:r>
+          </a:p>
+          <a:p>
+            <a:pPr lvl="1">
+              <a:buFont typeface="Wingdings" panose="05000000000000000000" pitchFamily="2" charset="2"/>
+              <a:buChar char="§"/>
+            </a:pPr>
+            <a:endParaRPr lang="en-US" dirty="0"/>
+          </a:p>
+          <a:p>
+            <a:pPr lvl="1">
+              <a:buFont typeface="Wingdings" panose="05000000000000000000" pitchFamily="2" charset="2"/>
+              <a:buChar char="§"/>
+            </a:pPr>
+            <a:endParaRPr lang="en-US" dirty="0"/>
+          </a:p>
+          <a:p>
+            <a:endParaRPr lang="en-US" dirty="0"/>
+          </a:p>
+          <a:p>
+            <a:endParaRPr lang="en-US" dirty="0"/>
+          </a:p>
+          <a:p>
+            <a:endParaRPr lang="en-US" dirty="0"/>
+          </a:p>
+          <a:p>
+            <a:endParaRPr lang="es-419" dirty="0"/>
+          </a:p>
+          <a:p>
+            <a:endParaRPr lang="en-US" dirty="0"/>
+          </a:p>
+          <a:p>
+            <a:endParaRPr lang="en-US" dirty="0"/>
           </a:p>
         </p:txBody>
       </p:sp>
@@ -3563,449 +3698,130 @@
           <a:lstStyle/>
           <a:p>
             <a:r>
-              <a:rPr lang="en-US" dirty="0" smtClean="0"/>
-              <a:t>Solution Architecture</a:t>
-            </a:r>
-            <a:endParaRPr lang="en-US" dirty="0"/>
-          </a:p>
-        </p:txBody>
-      </p:sp>
-      <p:sp>
-        <p:nvSpPr>
-          <p:cNvPr id="4" name="Rectangle 3"/>
-          <p:cNvSpPr/>
-          <p:nvPr/>
-        </p:nvSpPr>
-        <p:spPr>
-          <a:xfrm>
-            <a:off x="3958389" y="1347537"/>
-            <a:ext cx="1359569" cy="757989"/>
-          </a:xfrm>
-          <a:prstGeom prst="rect">
-            <a:avLst/>
-          </a:prstGeom>
-        </p:spPr>
-        <p:style>
-          <a:lnRef idx="1">
-            <a:schemeClr val="accent1"/>
-          </a:lnRef>
-          <a:fillRef idx="2">
-            <a:schemeClr val="accent1"/>
-          </a:fillRef>
-          <a:effectRef idx="1">
-            <a:schemeClr val="accent1"/>
-          </a:effectRef>
-          <a:fontRef idx="minor">
-            <a:schemeClr val="dk1"/>
-          </a:fontRef>
-        </p:style>
-        <p:txBody>
-          <a:bodyPr rtlCol="0" anchor="ctr"/>
-          <a:lstStyle/>
-          <a:p>
-            <a:pPr algn="ctr"/>
-            <a:endParaRPr lang="en-US" sz="1600"/>
-          </a:p>
-        </p:txBody>
-      </p:sp>
-      <p:sp>
-        <p:nvSpPr>
-          <p:cNvPr id="9" name="Oval 8"/>
-          <p:cNvSpPr/>
-          <p:nvPr/>
-        </p:nvSpPr>
-        <p:spPr>
-          <a:xfrm>
-            <a:off x="4078705" y="1443790"/>
-            <a:ext cx="348916" cy="240632"/>
-          </a:xfrm>
-          <a:prstGeom prst="ellipse">
-            <a:avLst/>
-          </a:prstGeom>
-        </p:spPr>
-        <p:style>
-          <a:lnRef idx="2">
-            <a:schemeClr val="accent4">
-              <a:shade val="50000"/>
-            </a:schemeClr>
-          </a:lnRef>
-          <a:fillRef idx="1">
-            <a:schemeClr val="accent4"/>
-          </a:fillRef>
-          <a:effectRef idx="0">
-            <a:schemeClr val="accent4"/>
-          </a:effectRef>
-          <a:fontRef idx="minor">
-            <a:schemeClr val="lt1"/>
-          </a:fontRef>
-        </p:style>
-        <p:txBody>
-          <a:bodyPr rtlCol="0" anchor="ctr"/>
-          <a:lstStyle/>
-          <a:p>
-            <a:pPr algn="ctr"/>
-            <a:endParaRPr lang="en-US" sz="1600" dirty="0"/>
-          </a:p>
-        </p:txBody>
-      </p:sp>
-      <p:sp>
-        <p:nvSpPr>
-          <p:cNvPr id="10" name="Oval 9"/>
-          <p:cNvSpPr/>
-          <p:nvPr/>
-        </p:nvSpPr>
-        <p:spPr>
-          <a:xfrm>
-            <a:off x="4700337" y="1728537"/>
-            <a:ext cx="348916" cy="240632"/>
-          </a:xfrm>
-          <a:prstGeom prst="ellipse">
-            <a:avLst/>
-          </a:prstGeom>
-        </p:spPr>
-        <p:style>
-          <a:lnRef idx="2">
-            <a:schemeClr val="accent4">
-              <a:shade val="50000"/>
-            </a:schemeClr>
-          </a:lnRef>
-          <a:fillRef idx="1">
-            <a:schemeClr val="accent4"/>
-          </a:fillRef>
-          <a:effectRef idx="0">
-            <a:schemeClr val="accent4"/>
-          </a:effectRef>
-          <a:fontRef idx="minor">
-            <a:schemeClr val="lt1"/>
-          </a:fontRef>
-        </p:style>
-        <p:txBody>
-          <a:bodyPr rtlCol="0" anchor="ctr"/>
-          <a:lstStyle/>
-          <a:p>
-            <a:pPr algn="ctr"/>
-            <a:endParaRPr lang="en-US" sz="1600" dirty="0"/>
-          </a:p>
-        </p:txBody>
-      </p:sp>
-      <p:sp>
-        <p:nvSpPr>
-          <p:cNvPr id="11" name="Rectangle 10"/>
-          <p:cNvSpPr/>
-          <p:nvPr/>
-        </p:nvSpPr>
-        <p:spPr>
-          <a:xfrm>
-            <a:off x="3966410" y="2763253"/>
-            <a:ext cx="1359569" cy="757989"/>
-          </a:xfrm>
-          <a:prstGeom prst="rect">
-            <a:avLst/>
-          </a:prstGeom>
-        </p:spPr>
-        <p:style>
-          <a:lnRef idx="1">
-            <a:schemeClr val="accent1"/>
-          </a:lnRef>
-          <a:fillRef idx="2">
-            <a:schemeClr val="accent1"/>
-          </a:fillRef>
-          <a:effectRef idx="1">
-            <a:schemeClr val="accent1"/>
-          </a:effectRef>
-          <a:fontRef idx="minor">
-            <a:schemeClr val="dk1"/>
-          </a:fontRef>
-        </p:style>
-        <p:txBody>
-          <a:bodyPr rtlCol="0" anchor="ctr"/>
-          <a:lstStyle/>
-          <a:p>
-            <a:pPr algn="ctr"/>
-            <a:endParaRPr lang="en-US" sz="1600"/>
-          </a:p>
-        </p:txBody>
-      </p:sp>
-      <p:sp>
-        <p:nvSpPr>
-          <p:cNvPr id="12" name="Oval 11"/>
-          <p:cNvSpPr/>
-          <p:nvPr/>
-        </p:nvSpPr>
-        <p:spPr>
-          <a:xfrm>
-            <a:off x="4086726" y="2859506"/>
-            <a:ext cx="348916" cy="240632"/>
-          </a:xfrm>
-          <a:prstGeom prst="ellipse">
-            <a:avLst/>
-          </a:prstGeom>
-        </p:spPr>
-        <p:style>
-          <a:lnRef idx="2">
-            <a:schemeClr val="accent4">
-              <a:shade val="50000"/>
-            </a:schemeClr>
-          </a:lnRef>
-          <a:fillRef idx="1">
-            <a:schemeClr val="accent4"/>
-          </a:fillRef>
-          <a:effectRef idx="0">
-            <a:schemeClr val="accent4"/>
-          </a:effectRef>
-          <a:fontRef idx="minor">
-            <a:schemeClr val="lt1"/>
-          </a:fontRef>
-        </p:style>
-        <p:txBody>
-          <a:bodyPr rtlCol="0" anchor="ctr"/>
-          <a:lstStyle/>
-          <a:p>
-            <a:pPr algn="ctr"/>
-            <a:endParaRPr lang="en-US" sz="1600" dirty="0"/>
-          </a:p>
-        </p:txBody>
-      </p:sp>
-      <p:sp>
-        <p:nvSpPr>
-          <p:cNvPr id="13" name="Oval 12"/>
-          <p:cNvSpPr/>
-          <p:nvPr/>
-        </p:nvSpPr>
-        <p:spPr>
-          <a:xfrm>
-            <a:off x="4708358" y="3144253"/>
-            <a:ext cx="348916" cy="240632"/>
-          </a:xfrm>
-          <a:prstGeom prst="ellipse">
-            <a:avLst/>
-          </a:prstGeom>
-        </p:spPr>
-        <p:style>
-          <a:lnRef idx="2">
-            <a:schemeClr val="accent4">
-              <a:shade val="50000"/>
-            </a:schemeClr>
-          </a:lnRef>
-          <a:fillRef idx="1">
-            <a:schemeClr val="accent4"/>
-          </a:fillRef>
-          <a:effectRef idx="0">
-            <a:schemeClr val="accent4"/>
-          </a:effectRef>
-          <a:fontRef idx="minor">
-            <a:schemeClr val="lt1"/>
-          </a:fontRef>
-        </p:style>
-        <p:txBody>
-          <a:bodyPr rtlCol="0" anchor="ctr"/>
-          <a:lstStyle/>
-          <a:p>
-            <a:pPr algn="ctr"/>
-            <a:endParaRPr lang="en-US" sz="1600" dirty="0"/>
-          </a:p>
-        </p:txBody>
-      </p:sp>
-      <p:sp>
-        <p:nvSpPr>
-          <p:cNvPr id="14" name="Rectangle 13"/>
-          <p:cNvSpPr/>
-          <p:nvPr/>
-        </p:nvSpPr>
-        <p:spPr>
-          <a:xfrm>
-            <a:off x="3978442" y="4255168"/>
-            <a:ext cx="1359569" cy="757989"/>
-          </a:xfrm>
-          <a:prstGeom prst="rect">
-            <a:avLst/>
-          </a:prstGeom>
-        </p:spPr>
-        <p:style>
-          <a:lnRef idx="1">
-            <a:schemeClr val="accent1"/>
-          </a:lnRef>
-          <a:fillRef idx="2">
-            <a:schemeClr val="accent1"/>
-          </a:fillRef>
-          <a:effectRef idx="1">
-            <a:schemeClr val="accent1"/>
-          </a:effectRef>
-          <a:fontRef idx="minor">
-            <a:schemeClr val="dk1"/>
-          </a:fontRef>
-        </p:style>
-        <p:txBody>
-          <a:bodyPr rtlCol="0" anchor="ctr"/>
-          <a:lstStyle/>
-          <a:p>
-            <a:pPr algn="ctr"/>
-            <a:endParaRPr lang="en-US" sz="1600"/>
-          </a:p>
-        </p:txBody>
-      </p:sp>
-      <p:sp>
-        <p:nvSpPr>
-          <p:cNvPr id="15" name="Oval 14"/>
-          <p:cNvSpPr/>
-          <p:nvPr/>
-        </p:nvSpPr>
-        <p:spPr>
-          <a:xfrm>
-            <a:off x="4098758" y="4351421"/>
-            <a:ext cx="348916" cy="240632"/>
-          </a:xfrm>
-          <a:prstGeom prst="ellipse">
-            <a:avLst/>
-          </a:prstGeom>
-        </p:spPr>
-        <p:style>
-          <a:lnRef idx="2">
-            <a:schemeClr val="accent4">
-              <a:shade val="50000"/>
-            </a:schemeClr>
-          </a:lnRef>
-          <a:fillRef idx="1">
-            <a:schemeClr val="accent4"/>
-          </a:fillRef>
-          <a:effectRef idx="0">
-            <a:schemeClr val="accent4"/>
-          </a:effectRef>
-          <a:fontRef idx="minor">
-            <a:schemeClr val="lt1"/>
-          </a:fontRef>
-        </p:style>
-        <p:txBody>
-          <a:bodyPr rtlCol="0" anchor="ctr"/>
-          <a:lstStyle/>
-          <a:p>
-            <a:pPr algn="ctr"/>
-            <a:endParaRPr lang="en-US" sz="1600" dirty="0"/>
-          </a:p>
-        </p:txBody>
-      </p:sp>
-      <p:sp>
-        <p:nvSpPr>
-          <p:cNvPr id="16" name="Oval 15"/>
-          <p:cNvSpPr/>
-          <p:nvPr/>
-        </p:nvSpPr>
-        <p:spPr>
-          <a:xfrm>
-            <a:off x="4720390" y="4636168"/>
-            <a:ext cx="348916" cy="240632"/>
-          </a:xfrm>
-          <a:prstGeom prst="ellipse">
-            <a:avLst/>
-          </a:prstGeom>
-        </p:spPr>
-        <p:style>
-          <a:lnRef idx="2">
-            <a:schemeClr val="accent4">
-              <a:shade val="50000"/>
-            </a:schemeClr>
-          </a:lnRef>
-          <a:fillRef idx="1">
-            <a:schemeClr val="accent4"/>
-          </a:fillRef>
-          <a:effectRef idx="0">
-            <a:schemeClr val="accent4"/>
-          </a:effectRef>
-          <a:fontRef idx="minor">
-            <a:schemeClr val="lt1"/>
-          </a:fontRef>
-        </p:style>
-        <p:txBody>
-          <a:bodyPr rtlCol="0" anchor="ctr"/>
-          <a:lstStyle/>
-          <a:p>
-            <a:pPr algn="ctr"/>
-            <a:endParaRPr lang="en-US" sz="1600" dirty="0"/>
-          </a:p>
-        </p:txBody>
-      </p:sp>
-      <p:sp>
-        <p:nvSpPr>
-          <p:cNvPr id="17" name="Rectangle 16"/>
-          <p:cNvSpPr/>
-          <p:nvPr/>
-        </p:nvSpPr>
-        <p:spPr>
-          <a:xfrm>
-            <a:off x="6785811" y="2646948"/>
-            <a:ext cx="1720516" cy="986589"/>
-          </a:xfrm>
-          <a:prstGeom prst="rect">
-            <a:avLst/>
-          </a:prstGeom>
-        </p:spPr>
-        <p:style>
-          <a:lnRef idx="2">
-            <a:schemeClr val="accent1">
-              <a:shade val="50000"/>
-            </a:schemeClr>
-          </a:lnRef>
-          <a:fillRef idx="1">
-            <a:schemeClr val="accent1"/>
-          </a:fillRef>
-          <a:effectRef idx="0">
-            <a:schemeClr val="accent1"/>
-          </a:effectRef>
-          <a:fontRef idx="minor">
-            <a:schemeClr val="lt1"/>
-          </a:fontRef>
-        </p:style>
-        <p:txBody>
-          <a:bodyPr rtlCol="0" anchor="ctr"/>
-          <a:lstStyle/>
-          <a:p>
-            <a:pPr algn="ctr"/>
-            <a:r>
-              <a:rPr lang="en-US" sz="2400" b="1" dirty="0" smtClean="0"/>
-              <a:t>ATS</a:t>
-            </a:r>
-            <a:endParaRPr lang="en-US" b="1" dirty="0"/>
-          </a:p>
-        </p:txBody>
-      </p:sp>
-      <p:sp>
-        <p:nvSpPr>
-          <p:cNvPr id="18" name="Can 17"/>
-          <p:cNvSpPr/>
-          <p:nvPr/>
-        </p:nvSpPr>
-        <p:spPr>
-          <a:xfrm>
-            <a:off x="7086600" y="4403556"/>
-            <a:ext cx="1094873" cy="1130969"/>
-          </a:xfrm>
-          <a:prstGeom prst="can">
-            <a:avLst/>
-          </a:prstGeom>
-        </p:spPr>
-        <p:style>
-          <a:lnRef idx="1">
-            <a:schemeClr val="accent4"/>
-          </a:lnRef>
-          <a:fillRef idx="3">
-            <a:schemeClr val="accent4"/>
-          </a:fillRef>
-          <a:effectRef idx="2">
-            <a:schemeClr val="accent4"/>
-          </a:effectRef>
-          <a:fontRef idx="minor">
-            <a:schemeClr val="lt1"/>
-          </a:fontRef>
-        </p:style>
-        <p:txBody>
-          <a:bodyPr rtlCol="0" anchor="ctr"/>
-          <a:lstStyle/>
-          <a:p>
-            <a:pPr algn="ctr"/>
-            <a:r>
-              <a:rPr lang="en-US" dirty="0" smtClean="0"/>
-              <a:t>Database</a:t>
-            </a:r>
+              <a:rPr lang="en-US" dirty="0"/>
+              <a:t>Solution</a:t>
+            </a:r>
+          </a:p>
+        </p:txBody>
+      </p:sp>
+      <p:sp>
+        <p:nvSpPr>
+          <p:cNvPr id="3" name="Content Placeholder 2"/>
+          <p:cNvSpPr>
+            <a:spLocks noGrp="1"/>
+          </p:cNvSpPr>
+          <p:nvPr>
+            <p:ph idx="1"/>
+          </p:nvPr>
+        </p:nvSpPr>
+        <p:spPr/>
+        <p:txBody>
+          <a:bodyPr/>
+          <a:lstStyle/>
+          <a:p>
+            <a:pPr marL="0" indent="0">
+              <a:buNone/>
+            </a:pPr>
+            <a:r>
+              <a:rPr lang="en-US" dirty="0"/>
+              <a:t>Ticketing System.</a:t>
+            </a:r>
+          </a:p>
+          <a:p>
+            <a:pPr>
+              <a:buFont typeface="Wingdings" panose="05000000000000000000" pitchFamily="2" charset="2"/>
+              <a:buChar char="Ø"/>
+            </a:pPr>
+            <a:r>
+              <a:rPr lang="en-US" dirty="0"/>
+              <a:t>Detect Problem: Failure / lack of supplies.</a:t>
+            </a:r>
+          </a:p>
+          <a:p>
+            <a:pPr lvl="1">
+              <a:buFont typeface="Arial" panose="020B0604020202020204" pitchFamily="34" charset="0"/>
+              <a:buChar char="•"/>
+            </a:pPr>
+            <a:r>
+              <a:rPr lang="en-US" dirty="0"/>
+              <a:t>Sensors.</a:t>
+            </a:r>
+          </a:p>
+          <a:p>
+            <a:pPr>
+              <a:buFont typeface="Wingdings" panose="05000000000000000000" pitchFamily="2" charset="2"/>
+              <a:buChar char="Ø"/>
+            </a:pPr>
+            <a:r>
+              <a:rPr lang="en-US" dirty="0"/>
+              <a:t>Find  suitable resource  to fix problem.</a:t>
+            </a:r>
+          </a:p>
+          <a:p>
+            <a:pPr lvl="1">
+              <a:buFont typeface="Arial" panose="020B0604020202020204" pitchFamily="34" charset="0"/>
+              <a:buChar char="•"/>
+            </a:pPr>
+            <a:r>
+              <a:rPr lang="en-US" dirty="0"/>
+              <a:t>Location</a:t>
+            </a:r>
+          </a:p>
+          <a:p>
+            <a:pPr lvl="1">
+              <a:buFont typeface="Arial" panose="020B0604020202020204" pitchFamily="34" charset="0"/>
+              <a:buChar char="•"/>
+            </a:pPr>
+            <a:r>
+              <a:rPr lang="en-US" dirty="0"/>
+              <a:t>Role</a:t>
+            </a:r>
+          </a:p>
+          <a:p>
+            <a:pPr>
+              <a:buFont typeface="Wingdings" panose="05000000000000000000" pitchFamily="2" charset="2"/>
+              <a:buChar char="Ø"/>
+            </a:pPr>
+            <a:r>
+              <a:rPr lang="en-US" dirty="0"/>
+              <a:t>Generate and Assign ticket.</a:t>
+            </a:r>
+          </a:p>
+          <a:p>
+            <a:pPr>
+              <a:buFont typeface="Wingdings" panose="05000000000000000000" pitchFamily="2" charset="2"/>
+              <a:buChar char="Ø"/>
+            </a:pPr>
+            <a:r>
+              <a:rPr lang="en-US" dirty="0"/>
+              <a:t>Fix problem.</a:t>
+            </a:r>
+          </a:p>
+          <a:p>
+            <a:pPr>
+              <a:buFont typeface="Wingdings" panose="05000000000000000000" pitchFamily="2" charset="2"/>
+              <a:buChar char="Ø"/>
+            </a:pPr>
+            <a:r>
+              <a:rPr lang="en-US" dirty="0"/>
+              <a:t>Close ticket.</a:t>
+            </a:r>
+          </a:p>
+          <a:p>
+            <a:pPr>
+              <a:buFont typeface="Wingdings" panose="05000000000000000000" pitchFamily="2" charset="2"/>
+              <a:buChar char="Ø"/>
+            </a:pPr>
+            <a:endParaRPr lang="en-US" dirty="0"/>
+          </a:p>
+          <a:p>
+            <a:pPr>
+              <a:buFont typeface="Wingdings" panose="05000000000000000000" pitchFamily="2" charset="2"/>
+              <a:buChar char="Ø"/>
+            </a:pPr>
+            <a:endParaRPr lang="en-US" dirty="0"/>
+          </a:p>
+          <a:p>
             <a:endParaRPr lang="en-US" dirty="0"/>
           </a:p>
         </p:txBody>
@@ -4013,7 +3829,7 @@
     </p:spTree>
     <p:extLst>
       <p:ext uri="{BB962C8B-B14F-4D97-AF65-F5344CB8AC3E}">
-        <p14:creationId xmlns:p14="http://schemas.microsoft.com/office/powerpoint/2010/main" val="3452611890"/>
+        <p14:creationId xmlns:p14="http://schemas.microsoft.com/office/powerpoint/2010/main" val="4285639192"/>
       </p:ext>
     </p:extLst>
   </p:cSld>
@@ -4056,36 +3872,455 @@
           <a:lstStyle/>
           <a:p>
             <a:r>
-              <a:rPr lang="en-US" dirty="0" smtClean="0"/>
-              <a:t>Frontend - Manager</a:t>
-            </a:r>
-            <a:endParaRPr lang="en-US" dirty="0"/>
-          </a:p>
-        </p:txBody>
-      </p:sp>
-      <p:sp>
-        <p:nvSpPr>
-          <p:cNvPr id="3" name="Content Placeholder 2"/>
-          <p:cNvSpPr>
-            <a:spLocks noGrp="1"/>
-          </p:cNvSpPr>
-          <p:nvPr>
-            <p:ph idx="1"/>
-          </p:nvPr>
-        </p:nvSpPr>
-        <p:spPr/>
-        <p:txBody>
-          <a:bodyPr/>
-          <a:lstStyle/>
-          <a:p>
-            <a:endParaRPr lang="en-US" dirty="0"/>
+              <a:rPr lang="en-US" dirty="0"/>
+              <a:t>Solution Architecture</a:t>
+            </a:r>
+          </a:p>
+        </p:txBody>
+      </p:sp>
+      <p:sp>
+        <p:nvSpPr>
+          <p:cNvPr id="4" name="Rectangle 3"/>
+          <p:cNvSpPr/>
+          <p:nvPr/>
+        </p:nvSpPr>
+        <p:spPr>
+          <a:xfrm>
+            <a:off x="3958389" y="1347537"/>
+            <a:ext cx="1359569" cy="757989"/>
+          </a:xfrm>
+          <a:prstGeom prst="rect">
+            <a:avLst/>
+          </a:prstGeom>
+        </p:spPr>
+        <p:style>
+          <a:lnRef idx="1">
+            <a:schemeClr val="accent1"/>
+          </a:lnRef>
+          <a:fillRef idx="2">
+            <a:schemeClr val="accent1"/>
+          </a:fillRef>
+          <a:effectRef idx="1">
+            <a:schemeClr val="accent1"/>
+          </a:effectRef>
+          <a:fontRef idx="minor">
+            <a:schemeClr val="dk1"/>
+          </a:fontRef>
+        </p:style>
+        <p:txBody>
+          <a:bodyPr rtlCol="0" anchor="ctr"/>
+          <a:lstStyle/>
+          <a:p>
+            <a:pPr algn="ctr"/>
+            <a:endParaRPr lang="en-US" sz="1600"/>
+          </a:p>
+        </p:txBody>
+      </p:sp>
+      <p:sp>
+        <p:nvSpPr>
+          <p:cNvPr id="9" name="Oval 8"/>
+          <p:cNvSpPr/>
+          <p:nvPr/>
+        </p:nvSpPr>
+        <p:spPr>
+          <a:xfrm>
+            <a:off x="4078705" y="1443790"/>
+            <a:ext cx="348916" cy="240632"/>
+          </a:xfrm>
+          <a:prstGeom prst="ellipse">
+            <a:avLst/>
+          </a:prstGeom>
+        </p:spPr>
+        <p:style>
+          <a:lnRef idx="2">
+            <a:schemeClr val="accent4">
+              <a:shade val="50000"/>
+            </a:schemeClr>
+          </a:lnRef>
+          <a:fillRef idx="1">
+            <a:schemeClr val="accent4"/>
+          </a:fillRef>
+          <a:effectRef idx="0">
+            <a:schemeClr val="accent4"/>
+          </a:effectRef>
+          <a:fontRef idx="minor">
+            <a:schemeClr val="lt1"/>
+          </a:fontRef>
+        </p:style>
+        <p:txBody>
+          <a:bodyPr rtlCol="0" anchor="ctr"/>
+          <a:lstStyle/>
+          <a:p>
+            <a:pPr algn="ctr"/>
+            <a:endParaRPr lang="en-US" sz="1600" dirty="0"/>
+          </a:p>
+        </p:txBody>
+      </p:sp>
+      <p:sp>
+        <p:nvSpPr>
+          <p:cNvPr id="10" name="Oval 9"/>
+          <p:cNvSpPr/>
+          <p:nvPr/>
+        </p:nvSpPr>
+        <p:spPr>
+          <a:xfrm>
+            <a:off x="4700337" y="1728537"/>
+            <a:ext cx="348916" cy="240632"/>
+          </a:xfrm>
+          <a:prstGeom prst="ellipse">
+            <a:avLst/>
+          </a:prstGeom>
+        </p:spPr>
+        <p:style>
+          <a:lnRef idx="2">
+            <a:schemeClr val="accent4">
+              <a:shade val="50000"/>
+            </a:schemeClr>
+          </a:lnRef>
+          <a:fillRef idx="1">
+            <a:schemeClr val="accent4"/>
+          </a:fillRef>
+          <a:effectRef idx="0">
+            <a:schemeClr val="accent4"/>
+          </a:effectRef>
+          <a:fontRef idx="minor">
+            <a:schemeClr val="lt1"/>
+          </a:fontRef>
+        </p:style>
+        <p:txBody>
+          <a:bodyPr rtlCol="0" anchor="ctr"/>
+          <a:lstStyle/>
+          <a:p>
+            <a:pPr algn="ctr"/>
+            <a:endParaRPr lang="en-US" sz="1600" dirty="0"/>
+          </a:p>
+        </p:txBody>
+      </p:sp>
+      <p:sp>
+        <p:nvSpPr>
+          <p:cNvPr id="11" name="Rectangle 10"/>
+          <p:cNvSpPr/>
+          <p:nvPr/>
+        </p:nvSpPr>
+        <p:spPr>
+          <a:xfrm>
+            <a:off x="3966410" y="2763253"/>
+            <a:ext cx="1359569" cy="757989"/>
+          </a:xfrm>
+          <a:prstGeom prst="rect">
+            <a:avLst/>
+          </a:prstGeom>
+        </p:spPr>
+        <p:style>
+          <a:lnRef idx="1">
+            <a:schemeClr val="accent1"/>
+          </a:lnRef>
+          <a:fillRef idx="2">
+            <a:schemeClr val="accent1"/>
+          </a:fillRef>
+          <a:effectRef idx="1">
+            <a:schemeClr val="accent1"/>
+          </a:effectRef>
+          <a:fontRef idx="minor">
+            <a:schemeClr val="dk1"/>
+          </a:fontRef>
+        </p:style>
+        <p:txBody>
+          <a:bodyPr rtlCol="0" anchor="ctr"/>
+          <a:lstStyle/>
+          <a:p>
+            <a:pPr algn="ctr"/>
+            <a:endParaRPr lang="en-US" sz="1600"/>
+          </a:p>
+        </p:txBody>
+      </p:sp>
+      <p:sp>
+        <p:nvSpPr>
+          <p:cNvPr id="12" name="Oval 11"/>
+          <p:cNvSpPr/>
+          <p:nvPr/>
+        </p:nvSpPr>
+        <p:spPr>
+          <a:xfrm>
+            <a:off x="4086726" y="2859506"/>
+            <a:ext cx="348916" cy="240632"/>
+          </a:xfrm>
+          <a:prstGeom prst="ellipse">
+            <a:avLst/>
+          </a:prstGeom>
+        </p:spPr>
+        <p:style>
+          <a:lnRef idx="2">
+            <a:schemeClr val="accent4">
+              <a:shade val="50000"/>
+            </a:schemeClr>
+          </a:lnRef>
+          <a:fillRef idx="1">
+            <a:schemeClr val="accent4"/>
+          </a:fillRef>
+          <a:effectRef idx="0">
+            <a:schemeClr val="accent4"/>
+          </a:effectRef>
+          <a:fontRef idx="minor">
+            <a:schemeClr val="lt1"/>
+          </a:fontRef>
+        </p:style>
+        <p:txBody>
+          <a:bodyPr rtlCol="0" anchor="ctr"/>
+          <a:lstStyle/>
+          <a:p>
+            <a:pPr algn="ctr"/>
+            <a:endParaRPr lang="en-US" sz="1600" dirty="0"/>
+          </a:p>
+        </p:txBody>
+      </p:sp>
+      <p:sp>
+        <p:nvSpPr>
+          <p:cNvPr id="13" name="Oval 12"/>
+          <p:cNvSpPr/>
+          <p:nvPr/>
+        </p:nvSpPr>
+        <p:spPr>
+          <a:xfrm>
+            <a:off x="4708358" y="3144253"/>
+            <a:ext cx="348916" cy="240632"/>
+          </a:xfrm>
+          <a:prstGeom prst="ellipse">
+            <a:avLst/>
+          </a:prstGeom>
+        </p:spPr>
+        <p:style>
+          <a:lnRef idx="2">
+            <a:schemeClr val="accent4">
+              <a:shade val="50000"/>
+            </a:schemeClr>
+          </a:lnRef>
+          <a:fillRef idx="1">
+            <a:schemeClr val="accent4"/>
+          </a:fillRef>
+          <a:effectRef idx="0">
+            <a:schemeClr val="accent4"/>
+          </a:effectRef>
+          <a:fontRef idx="minor">
+            <a:schemeClr val="lt1"/>
+          </a:fontRef>
+        </p:style>
+        <p:txBody>
+          <a:bodyPr rtlCol="0" anchor="ctr"/>
+          <a:lstStyle/>
+          <a:p>
+            <a:pPr algn="ctr"/>
+            <a:endParaRPr lang="en-US" sz="1600" dirty="0"/>
+          </a:p>
+        </p:txBody>
+      </p:sp>
+      <p:sp>
+        <p:nvSpPr>
+          <p:cNvPr id="14" name="Rectangle 13"/>
+          <p:cNvSpPr/>
+          <p:nvPr/>
+        </p:nvSpPr>
+        <p:spPr>
+          <a:xfrm>
+            <a:off x="3978442" y="4255168"/>
+            <a:ext cx="1359569" cy="757989"/>
+          </a:xfrm>
+          <a:prstGeom prst="rect">
+            <a:avLst/>
+          </a:prstGeom>
+        </p:spPr>
+        <p:style>
+          <a:lnRef idx="1">
+            <a:schemeClr val="accent1"/>
+          </a:lnRef>
+          <a:fillRef idx="2">
+            <a:schemeClr val="accent1"/>
+          </a:fillRef>
+          <a:effectRef idx="1">
+            <a:schemeClr val="accent1"/>
+          </a:effectRef>
+          <a:fontRef idx="minor">
+            <a:schemeClr val="dk1"/>
+          </a:fontRef>
+        </p:style>
+        <p:txBody>
+          <a:bodyPr rtlCol="0" anchor="ctr"/>
+          <a:lstStyle/>
+          <a:p>
+            <a:pPr algn="ctr"/>
+            <a:endParaRPr lang="en-US" sz="1600"/>
+          </a:p>
+        </p:txBody>
+      </p:sp>
+      <p:sp>
+        <p:nvSpPr>
+          <p:cNvPr id="15" name="Oval 14"/>
+          <p:cNvSpPr/>
+          <p:nvPr/>
+        </p:nvSpPr>
+        <p:spPr>
+          <a:xfrm>
+            <a:off x="4098758" y="4351421"/>
+            <a:ext cx="348916" cy="240632"/>
+          </a:xfrm>
+          <a:prstGeom prst="ellipse">
+            <a:avLst/>
+          </a:prstGeom>
+        </p:spPr>
+        <p:style>
+          <a:lnRef idx="2">
+            <a:schemeClr val="accent4">
+              <a:shade val="50000"/>
+            </a:schemeClr>
+          </a:lnRef>
+          <a:fillRef idx="1">
+            <a:schemeClr val="accent4"/>
+          </a:fillRef>
+          <a:effectRef idx="0">
+            <a:schemeClr val="accent4"/>
+          </a:effectRef>
+          <a:fontRef idx="minor">
+            <a:schemeClr val="lt1"/>
+          </a:fontRef>
+        </p:style>
+        <p:txBody>
+          <a:bodyPr rtlCol="0" anchor="ctr"/>
+          <a:lstStyle/>
+          <a:p>
+            <a:pPr algn="ctr"/>
+            <a:endParaRPr lang="en-US" sz="1600" dirty="0"/>
+          </a:p>
+        </p:txBody>
+      </p:sp>
+      <p:sp>
+        <p:nvSpPr>
+          <p:cNvPr id="16" name="Oval 15"/>
+          <p:cNvSpPr/>
+          <p:nvPr/>
+        </p:nvSpPr>
+        <p:spPr>
+          <a:xfrm>
+            <a:off x="4720390" y="4636168"/>
+            <a:ext cx="348916" cy="240632"/>
+          </a:xfrm>
+          <a:prstGeom prst="ellipse">
+            <a:avLst/>
+          </a:prstGeom>
+        </p:spPr>
+        <p:style>
+          <a:lnRef idx="2">
+            <a:schemeClr val="accent4">
+              <a:shade val="50000"/>
+            </a:schemeClr>
+          </a:lnRef>
+          <a:fillRef idx="1">
+            <a:schemeClr val="accent4"/>
+          </a:fillRef>
+          <a:effectRef idx="0">
+            <a:schemeClr val="accent4"/>
+          </a:effectRef>
+          <a:fontRef idx="minor">
+            <a:schemeClr val="lt1"/>
+          </a:fontRef>
+        </p:style>
+        <p:txBody>
+          <a:bodyPr rtlCol="0" anchor="ctr"/>
+          <a:lstStyle/>
+          <a:p>
+            <a:pPr algn="ctr"/>
+            <a:endParaRPr lang="en-US" sz="1600" dirty="0"/>
+          </a:p>
+        </p:txBody>
+      </p:sp>
+      <p:sp>
+        <p:nvSpPr>
+          <p:cNvPr id="17" name="Rectangle 16"/>
+          <p:cNvSpPr/>
+          <p:nvPr/>
+        </p:nvSpPr>
+        <p:spPr>
+          <a:xfrm>
+            <a:off x="6785811" y="2646948"/>
+            <a:ext cx="1720516" cy="986589"/>
+          </a:xfrm>
+          <a:prstGeom prst="rect">
+            <a:avLst/>
+          </a:prstGeom>
+        </p:spPr>
+        <p:style>
+          <a:lnRef idx="2">
+            <a:schemeClr val="accent1">
+              <a:shade val="50000"/>
+            </a:schemeClr>
+          </a:lnRef>
+          <a:fillRef idx="1">
+            <a:schemeClr val="accent1"/>
+          </a:fillRef>
+          <a:effectRef idx="0">
+            <a:schemeClr val="accent1"/>
+          </a:effectRef>
+          <a:fontRef idx="minor">
+            <a:schemeClr val="lt1"/>
+          </a:fontRef>
+        </p:style>
+        <p:txBody>
+          <a:bodyPr rtlCol="0" anchor="ctr"/>
+          <a:lstStyle/>
+          <a:p>
+            <a:pPr algn="ctr"/>
+            <a:r>
+              <a:rPr lang="en-US" sz="2400" b="1" dirty="0"/>
+              <a:t>ATS</a:t>
+            </a:r>
+            <a:endParaRPr lang="en-US" b="1" dirty="0"/>
+          </a:p>
+        </p:txBody>
+      </p:sp>
+      <p:sp>
+        <p:nvSpPr>
+          <p:cNvPr id="18" name="Can 17"/>
+          <p:cNvSpPr/>
+          <p:nvPr/>
+        </p:nvSpPr>
+        <p:spPr>
+          <a:xfrm>
+            <a:off x="7086600" y="4403556"/>
+            <a:ext cx="1094873" cy="1130969"/>
+          </a:xfrm>
+          <a:prstGeom prst="can">
+            <a:avLst/>
+          </a:prstGeom>
+        </p:spPr>
+        <p:style>
+          <a:lnRef idx="1">
+            <a:schemeClr val="accent4"/>
+          </a:lnRef>
+          <a:fillRef idx="3">
+            <a:schemeClr val="accent4"/>
+          </a:fillRef>
+          <a:effectRef idx="2">
+            <a:schemeClr val="accent4"/>
+          </a:effectRef>
+          <a:fontRef idx="minor">
+            <a:schemeClr val="lt1"/>
+          </a:fontRef>
+        </p:style>
+        <p:txBody>
+          <a:bodyPr rtlCol="0" anchor="ctr"/>
+          <a:lstStyle/>
+          <a:p>
+            <a:pPr algn="ctr"/>
+            <a:r>
+              <a:rPr lang="en-US" dirty="0"/>
+              <a:t>Database</a:t>
+            </a:r>
           </a:p>
         </p:txBody>
       </p:sp>
     </p:spTree>
     <p:extLst>
       <p:ext uri="{BB962C8B-B14F-4D97-AF65-F5344CB8AC3E}">
-        <p14:creationId xmlns:p14="http://schemas.microsoft.com/office/powerpoint/2010/main" val="1123393660"/>
+        <p14:creationId xmlns:p14="http://schemas.microsoft.com/office/powerpoint/2010/main" val="3452611890"/>
       </p:ext>
     </p:extLst>
   </p:cSld>
@@ -4122,6 +4357,77 @@
             <p:ph type="title"/>
           </p:nvPr>
         </p:nvSpPr>
+        <p:spPr/>
+        <p:txBody>
+          <a:bodyPr/>
+          <a:lstStyle/>
+          <a:p>
+            <a:r>
+              <a:rPr lang="en-US" dirty="0"/>
+              <a:t>Frontend - Manager</a:t>
+            </a:r>
+          </a:p>
+        </p:txBody>
+      </p:sp>
+      <p:sp>
+        <p:nvSpPr>
+          <p:cNvPr id="3" name="Content Placeholder 2"/>
+          <p:cNvSpPr>
+            <a:spLocks noGrp="1"/>
+          </p:cNvSpPr>
+          <p:nvPr>
+            <p:ph idx="1"/>
+          </p:nvPr>
+        </p:nvSpPr>
+        <p:spPr/>
+        <p:txBody>
+          <a:bodyPr/>
+          <a:lstStyle/>
+          <a:p>
+            <a:endParaRPr lang="en-US" dirty="0"/>
+          </a:p>
+        </p:txBody>
+      </p:sp>
+    </p:spTree>
+    <p:extLst>
+      <p:ext uri="{BB962C8B-B14F-4D97-AF65-F5344CB8AC3E}">
+        <p14:creationId xmlns:p14="http://schemas.microsoft.com/office/powerpoint/2010/main" val="1123393660"/>
+      </p:ext>
+    </p:extLst>
+  </p:cSld>
+  <p:clrMapOvr>
+    <a:masterClrMapping/>
+  </p:clrMapOvr>
+</p:sld>
+</file>
+
+<file path=ppt/slides/slide6.xml><?xml version="1.0" encoding="utf-8"?>
+<p:sld xmlns:a="http://schemas.openxmlformats.org/drawingml/2006/main" xmlns:r="http://schemas.openxmlformats.org/officeDocument/2006/relationships" xmlns:p="http://schemas.openxmlformats.org/presentationml/2006/main">
+  <p:cSld>
+    <p:spTree>
+      <p:nvGrpSpPr>
+        <p:cNvPr id="1" name=""/>
+        <p:cNvGrpSpPr/>
+        <p:nvPr/>
+      </p:nvGrpSpPr>
+      <p:grpSpPr>
+        <a:xfrm>
+          <a:off x="0" y="0"/>
+          <a:ext cx="0" cy="0"/>
+          <a:chOff x="0" y="0"/>
+          <a:chExt cx="0" cy="0"/>
+        </a:xfrm>
+      </p:grpSpPr>
+      <p:sp>
+        <p:nvSpPr>
+          <p:cNvPr id="2" name="Title 1"/>
+          <p:cNvSpPr>
+            <a:spLocks noGrp="1"/>
+          </p:cNvSpPr>
+          <p:nvPr>
+            <p:ph type="title"/>
+          </p:nvPr>
+        </p:nvSpPr>
         <p:spPr>
           <a:xfrm>
             <a:off x="252919" y="1123837"/>
@@ -4133,10 +4439,9 @@
           <a:lstStyle/>
           <a:p>
             <a:r>
-              <a:rPr lang="en-US" dirty="0" smtClean="0"/>
+              <a:rPr lang="en-US" dirty="0"/>
               <a:t>Frontend - Worker</a:t>
             </a:r>
-            <a:endParaRPr lang="en-US" dirty="0"/>
           </a:p>
         </p:txBody>
       </p:sp>
@@ -4242,78 +4547,6 @@
 </p:sld>
 </file>
 
-<file path=ppt/slides/slide6.xml><?xml version="1.0" encoding="utf-8"?>
-<p:sld xmlns:a="http://schemas.openxmlformats.org/drawingml/2006/main" xmlns:r="http://schemas.openxmlformats.org/officeDocument/2006/relationships" xmlns:p="http://schemas.openxmlformats.org/presentationml/2006/main">
-  <p:cSld>
-    <p:spTree>
-      <p:nvGrpSpPr>
-        <p:cNvPr id="1" name=""/>
-        <p:cNvGrpSpPr/>
-        <p:nvPr/>
-      </p:nvGrpSpPr>
-      <p:grpSpPr>
-        <a:xfrm>
-          <a:off x="0" y="0"/>
-          <a:ext cx="0" cy="0"/>
-          <a:chOff x="0" y="0"/>
-          <a:chExt cx="0" cy="0"/>
-        </a:xfrm>
-      </p:grpSpPr>
-      <p:sp>
-        <p:nvSpPr>
-          <p:cNvPr id="2" name="Title 1"/>
-          <p:cNvSpPr>
-            <a:spLocks noGrp="1"/>
-          </p:cNvSpPr>
-          <p:nvPr>
-            <p:ph type="title"/>
-          </p:nvPr>
-        </p:nvSpPr>
-        <p:spPr/>
-        <p:txBody>
-          <a:bodyPr/>
-          <a:lstStyle/>
-          <a:p>
-            <a:r>
-              <a:rPr lang="en-US" dirty="0" smtClean="0"/>
-              <a:t>Backend</a:t>
-            </a:r>
-            <a:endParaRPr lang="en-US" dirty="0"/>
-          </a:p>
-        </p:txBody>
-      </p:sp>
-      <p:sp>
-        <p:nvSpPr>
-          <p:cNvPr id="3" name="Content Placeholder 2"/>
-          <p:cNvSpPr>
-            <a:spLocks noGrp="1"/>
-          </p:cNvSpPr>
-          <p:nvPr>
-            <p:ph idx="1"/>
-          </p:nvPr>
-        </p:nvSpPr>
-        <p:spPr/>
-        <p:txBody>
-          <a:bodyPr/>
-          <a:lstStyle/>
-          <a:p>
-            <a:endParaRPr lang="en-US"/>
-          </a:p>
-        </p:txBody>
-      </p:sp>
-    </p:spTree>
-    <p:extLst>
-      <p:ext uri="{BB962C8B-B14F-4D97-AF65-F5344CB8AC3E}">
-        <p14:creationId xmlns:p14="http://schemas.microsoft.com/office/powerpoint/2010/main" val="2923993945"/>
-      </p:ext>
-    </p:extLst>
-  </p:cSld>
-  <p:clrMapOvr>
-    <a:masterClrMapping/>
-  </p:clrMapOvr>
-</p:sld>
-</file>
-
 <file path=ppt/slides/slide7.xml><?xml version="1.0" encoding="utf-8"?>
 <p:sld xmlns:a="http://schemas.openxmlformats.org/drawingml/2006/main" xmlns:r="http://schemas.openxmlformats.org/officeDocument/2006/relationships" xmlns:p="http://schemas.openxmlformats.org/presentationml/2006/main">
   <p:cSld>
@@ -4347,10 +4580,80 @@
           <a:lstStyle/>
           <a:p>
             <a:r>
-              <a:rPr lang="en-US" dirty="0" smtClean="0"/>
+              <a:rPr lang="en-US" dirty="0"/>
+              <a:t>Backend</a:t>
+            </a:r>
+          </a:p>
+        </p:txBody>
+      </p:sp>
+      <p:sp>
+        <p:nvSpPr>
+          <p:cNvPr id="3" name="Content Placeholder 2"/>
+          <p:cNvSpPr>
+            <a:spLocks noGrp="1"/>
+          </p:cNvSpPr>
+          <p:nvPr>
+            <p:ph idx="1"/>
+          </p:nvPr>
+        </p:nvSpPr>
+        <p:spPr/>
+        <p:txBody>
+          <a:bodyPr/>
+          <a:lstStyle/>
+          <a:p>
+            <a:endParaRPr lang="en-US" dirty="0"/>
+          </a:p>
+        </p:txBody>
+      </p:sp>
+    </p:spTree>
+    <p:extLst>
+      <p:ext uri="{BB962C8B-B14F-4D97-AF65-F5344CB8AC3E}">
+        <p14:creationId xmlns:p14="http://schemas.microsoft.com/office/powerpoint/2010/main" val="2923993945"/>
+      </p:ext>
+    </p:extLst>
+  </p:cSld>
+  <p:clrMapOvr>
+    <a:masterClrMapping/>
+  </p:clrMapOvr>
+</p:sld>
+</file>
+
+<file path=ppt/slides/slide8.xml><?xml version="1.0" encoding="utf-8"?>
+<p:sld xmlns:a="http://schemas.openxmlformats.org/drawingml/2006/main" xmlns:r="http://schemas.openxmlformats.org/officeDocument/2006/relationships" xmlns:p="http://schemas.openxmlformats.org/presentationml/2006/main">
+  <p:cSld>
+    <p:spTree>
+      <p:nvGrpSpPr>
+        <p:cNvPr id="1" name=""/>
+        <p:cNvGrpSpPr/>
+        <p:nvPr/>
+      </p:nvGrpSpPr>
+      <p:grpSpPr>
+        <a:xfrm>
+          <a:off x="0" y="0"/>
+          <a:ext cx="0" cy="0"/>
+          <a:chOff x="0" y="0"/>
+          <a:chExt cx="0" cy="0"/>
+        </a:xfrm>
+      </p:grpSpPr>
+      <p:sp>
+        <p:nvSpPr>
+          <p:cNvPr id="2" name="Title 1"/>
+          <p:cNvSpPr>
+            <a:spLocks noGrp="1"/>
+          </p:cNvSpPr>
+          <p:nvPr>
+            <p:ph type="title"/>
+          </p:nvPr>
+        </p:nvSpPr>
+        <p:spPr/>
+        <p:txBody>
+          <a:bodyPr/>
+          <a:lstStyle/>
+          <a:p>
+            <a:r>
+              <a:rPr lang="en-US" dirty="0"/>
               <a:t>Bounty</a:t>
             </a:r>
-            <a:endParaRPr lang="en-US" dirty="0"/>
           </a:p>
         </p:txBody>
       </p:sp>
@@ -4369,7 +4672,101 @@
           <a:bodyPr/>
           <a:lstStyle/>
           <a:p>
-            <a:endParaRPr lang="en-US"/>
+            <a:pPr>
+              <a:buFont typeface="Wingdings" panose="05000000000000000000" pitchFamily="2" charset="2"/>
+              <a:buChar char="Ø"/>
+            </a:pPr>
+            <a:r>
+              <a:rPr lang="en-US" dirty="0"/>
+              <a:t>Improve response time.</a:t>
+            </a:r>
+          </a:p>
+          <a:p>
+            <a:pPr>
+              <a:buFont typeface="Wingdings" panose="05000000000000000000" pitchFamily="2" charset="2"/>
+              <a:buChar char="Ø"/>
+            </a:pPr>
+            <a:r>
+              <a:rPr lang="en-US" dirty="0"/>
+              <a:t>Automate</a:t>
+            </a:r>
+            <a:r>
+              <a:rPr lang="es-419" dirty="0"/>
+              <a:t> </a:t>
+            </a:r>
+            <a:r>
+              <a:rPr lang="en-US" dirty="0"/>
+              <a:t>Maintenance</a:t>
+            </a:r>
+            <a:r>
+              <a:rPr lang="es-419" dirty="0"/>
+              <a:t> </a:t>
+            </a:r>
+            <a:r>
+              <a:rPr lang="es-419" dirty="0" err="1"/>
+              <a:t>Processes</a:t>
+            </a:r>
+            <a:r>
+              <a:rPr lang="es-419" dirty="0"/>
+              <a:t>.</a:t>
+            </a:r>
+          </a:p>
+          <a:p>
+            <a:pPr>
+              <a:buFont typeface="Wingdings" panose="05000000000000000000" pitchFamily="2" charset="2"/>
+              <a:buChar char="Ø"/>
+            </a:pPr>
+            <a:r>
+              <a:rPr lang="es-419" dirty="0" err="1"/>
+              <a:t>Efficient</a:t>
+            </a:r>
+            <a:r>
+              <a:rPr lang="es-419" dirty="0"/>
+              <a:t> </a:t>
+            </a:r>
+            <a:r>
+              <a:rPr lang="es-419" dirty="0" err="1"/>
+              <a:t>Resource</a:t>
+            </a:r>
+            <a:r>
+              <a:rPr lang="es-419" dirty="0"/>
+              <a:t> </a:t>
+            </a:r>
+            <a:r>
+              <a:rPr lang="es-419" dirty="0" err="1"/>
+              <a:t>Utilization</a:t>
+            </a:r>
+            <a:r>
+              <a:rPr lang="es-419" dirty="0"/>
+              <a:t>.</a:t>
+            </a:r>
+          </a:p>
+          <a:p>
+            <a:pPr>
+              <a:buFont typeface="Wingdings" panose="05000000000000000000" pitchFamily="2" charset="2"/>
+              <a:buChar char="Ø"/>
+            </a:pPr>
+            <a:r>
+              <a:rPr lang="en-US" dirty="0"/>
+              <a:t>Reducing costs on HR.</a:t>
+            </a:r>
+          </a:p>
+          <a:p>
+            <a:pPr>
+              <a:buFont typeface="Wingdings" panose="05000000000000000000" pitchFamily="2" charset="2"/>
+              <a:buChar char="Ø"/>
+            </a:pPr>
+            <a:r>
+              <a:rPr lang="en-US"/>
+              <a:t>Accountability.</a:t>
+            </a:r>
+            <a:endParaRPr lang="en-US" dirty="0"/>
+          </a:p>
+          <a:p>
+            <a:endParaRPr lang="es-419" dirty="0"/>
+          </a:p>
+          <a:p>
+            <a:endParaRPr lang="en-US" dirty="0"/>
           </a:p>
         </p:txBody>
       </p:sp>

--- a/Presentation/Automatic Ticketing System (ATS).pptx
+++ b/Presentation/Automatic Ticketing System (ATS).pptx
@@ -3381,7 +3381,7 @@
         </p:nvSpPr>
         <p:spPr>
           <a:xfrm>
-            <a:off x="1019048" y="1209548"/>
+            <a:off x="994985" y="1113295"/>
             <a:ext cx="7315200" cy="2892552"/>
           </a:xfrm>
         </p:spPr>
@@ -3410,8 +3410,8 @@
         </p:nvSpPr>
         <p:spPr>
           <a:xfrm>
-            <a:off x="1100015" y="4619446"/>
-            <a:ext cx="7315200" cy="1298754"/>
+            <a:off x="1112046" y="4246466"/>
+            <a:ext cx="7315200" cy="1697133"/>
           </a:xfrm>
         </p:spPr>
         <p:txBody>
@@ -3425,8 +3425,31 @@
               <a:t>Group: </a:t>
             </a:r>
             <a:r>
-              <a:rPr lang="en-US" sz="2000" dirty="0" err="1"/>
+              <a:rPr lang="en-US" sz="2000" dirty="0" err="1" smtClean="0"/>
               <a:t>SenseIT</a:t>
+            </a:r>
+            <a:endParaRPr lang="en-US" sz="2000" dirty="0" smtClean="0"/>
+          </a:p>
+          <a:p>
+            <a:r>
+              <a:rPr lang="en-US" sz="2000" dirty="0" smtClean="0"/>
+              <a:t>Members: Rakesh, Karri, </a:t>
+            </a:r>
+            <a:r>
+              <a:rPr lang="en-US" sz="2000" dirty="0" err="1" smtClean="0"/>
+              <a:t>Klaudia</a:t>
+            </a:r>
+            <a:r>
+              <a:rPr lang="en-US" sz="2000" dirty="0" smtClean="0"/>
+              <a:t>, </a:t>
+            </a:r>
+            <a:r>
+              <a:rPr lang="en-US" sz="2000" dirty="0" err="1" smtClean="0"/>
+              <a:t>Nadin</a:t>
+            </a:r>
+            <a:r>
+              <a:rPr lang="en-US" sz="2000" dirty="0" smtClean="0"/>
+              <a:t>, Jose</a:t>
             </a:r>
             <a:endParaRPr lang="en-US" sz="2000" dirty="0"/>
           </a:p>
@@ -3508,8 +3531,8 @@
         </p:nvSpPr>
         <p:spPr>
           <a:xfrm>
-            <a:off x="4590484" y="2692908"/>
-            <a:ext cx="6845955" cy="3604861"/>
+            <a:off x="3988907" y="1034716"/>
+            <a:ext cx="6478568" cy="4475748"/>
           </a:xfrm>
         </p:spPr>
         <p:txBody>
@@ -3521,72 +3544,133 @@
           <a:p>
             <a:pPr>
               <a:buFont typeface="Wingdings" panose="05000000000000000000" pitchFamily="2" charset="2"/>
-              <a:buChar char="Ø"/>
+              <a:buChar char="v"/>
             </a:pPr>
             <a:r>
-              <a:rPr lang="en-US" dirty="0"/>
-              <a:t>Running out of daily office supplies.</a:t>
-            </a:r>
+              <a:rPr lang="en-US" sz="2800" dirty="0">
+                <a:latin typeface="Arial" panose="020B0604020202020204" pitchFamily="34" charset="0"/>
+                <a:cs typeface="Arial" panose="020B0604020202020204" pitchFamily="34" charset="0"/>
+              </a:rPr>
+              <a:t>Running out of daily office </a:t>
+            </a:r>
+            <a:r>
+              <a:rPr lang="en-US" sz="2800" dirty="0" smtClean="0">
+                <a:latin typeface="Arial" panose="020B0604020202020204" pitchFamily="34" charset="0"/>
+                <a:cs typeface="Arial" panose="020B0604020202020204" pitchFamily="34" charset="0"/>
+              </a:rPr>
+              <a:t>supplies</a:t>
+            </a:r>
+            <a:endParaRPr lang="en-US" sz="2800" dirty="0">
+              <a:latin typeface="Arial" panose="020B0604020202020204" pitchFamily="34" charset="0"/>
+              <a:cs typeface="Arial" panose="020B0604020202020204" pitchFamily="34" charset="0"/>
+            </a:endParaRPr>
           </a:p>
           <a:p>
             <a:pPr>
               <a:buFont typeface="Wingdings" panose="05000000000000000000" pitchFamily="2" charset="2"/>
-              <a:buChar char="Ø"/>
+              <a:buChar char="v"/>
             </a:pPr>
             <a:r>
-              <a:rPr lang="en-US" dirty="0"/>
+              <a:rPr lang="en-US" sz="2800" dirty="0">
+                <a:latin typeface="Arial" panose="020B0604020202020204" pitchFamily="34" charset="0"/>
+                <a:cs typeface="Arial" panose="020B0604020202020204" pitchFamily="34" charset="0"/>
+              </a:rPr>
               <a:t>Oblivious</a:t>
             </a:r>
             <a:r>
-              <a:rPr lang="es-419" dirty="0"/>
+              <a:rPr lang="es-419" sz="2800" dirty="0">
+                <a:latin typeface="Arial" panose="020B0604020202020204" pitchFamily="34" charset="0"/>
+                <a:cs typeface="Arial" panose="020B0604020202020204" pitchFamily="34" charset="0"/>
+              </a:rPr>
               <a:t> </a:t>
             </a:r>
             <a:r>
-              <a:rPr lang="en-US" dirty="0"/>
+              <a:rPr lang="en-US" sz="2800" dirty="0">
+                <a:latin typeface="Arial" panose="020B0604020202020204" pitchFamily="34" charset="0"/>
+                <a:cs typeface="Arial" panose="020B0604020202020204" pitchFamily="34" charset="0"/>
+              </a:rPr>
               <a:t>maintenance</a:t>
             </a:r>
             <a:r>
-              <a:rPr lang="es-419" dirty="0"/>
+              <a:rPr lang="es-419" sz="2800" dirty="0">
+                <a:latin typeface="Arial" panose="020B0604020202020204" pitchFamily="34" charset="0"/>
+                <a:cs typeface="Arial" panose="020B0604020202020204" pitchFamily="34" charset="0"/>
+              </a:rPr>
               <a:t> </a:t>
             </a:r>
             <a:r>
-              <a:rPr lang="en-US" dirty="0"/>
+              <a:rPr lang="en-US" sz="2800" dirty="0" smtClean="0">
+                <a:latin typeface="Arial" panose="020B0604020202020204" pitchFamily="34" charset="0"/>
+                <a:cs typeface="Arial" panose="020B0604020202020204" pitchFamily="34" charset="0"/>
+              </a:rPr>
               <a:t>tasks</a:t>
             </a:r>
-            <a:r>
-              <a:rPr lang="es-419" dirty="0"/>
-              <a:t>.</a:t>
-            </a:r>
+            <a:endParaRPr lang="es-419" sz="2800" dirty="0">
+              <a:latin typeface="Arial" panose="020B0604020202020204" pitchFamily="34" charset="0"/>
+              <a:cs typeface="Arial" panose="020B0604020202020204" pitchFamily="34" charset="0"/>
+            </a:endParaRPr>
           </a:p>
           <a:p>
             <a:pPr>
+              <a:spcAft>
+                <a:spcPts val="1200"/>
+              </a:spcAft>
               <a:buFont typeface="Wingdings" panose="05000000000000000000" pitchFamily="2" charset="2"/>
-              <a:buChar char="Ø"/>
+              <a:buChar char="v"/>
             </a:pPr>
             <a:r>
-              <a:rPr lang="es-419" dirty="0"/>
+              <a:rPr lang="es-419" sz="2800" dirty="0">
+                <a:latin typeface="Arial" panose="020B0604020202020204" pitchFamily="34" charset="0"/>
+                <a:cs typeface="Arial" panose="020B0604020202020204" pitchFamily="34" charset="0"/>
+              </a:rPr>
               <a:t>Human </a:t>
             </a:r>
             <a:r>
-              <a:rPr lang="en-US" dirty="0"/>
+              <a:rPr lang="en-US" sz="2800" dirty="0">
+                <a:latin typeface="Arial" panose="020B0604020202020204" pitchFamily="34" charset="0"/>
+                <a:cs typeface="Arial" panose="020B0604020202020204" pitchFamily="34" charset="0"/>
+              </a:rPr>
               <a:t>resource</a:t>
             </a:r>
             <a:r>
-              <a:rPr lang="es-419" dirty="0"/>
+              <a:rPr lang="es-419" sz="2800" dirty="0">
+                <a:latin typeface="Arial" panose="020B0604020202020204" pitchFamily="34" charset="0"/>
+                <a:cs typeface="Arial" panose="020B0604020202020204" pitchFamily="34" charset="0"/>
+              </a:rPr>
               <a:t> </a:t>
             </a:r>
             <a:r>
-              <a:rPr lang="en-US" dirty="0"/>
+              <a:rPr lang="en-US" sz="2800" dirty="0">
+                <a:latin typeface="Arial" panose="020B0604020202020204" pitchFamily="34" charset="0"/>
+                <a:cs typeface="Arial" panose="020B0604020202020204" pitchFamily="34" charset="0"/>
+              </a:rPr>
               <a:t>waste</a:t>
             </a:r>
             <a:r>
-              <a:rPr lang="es-419" dirty="0"/>
+              <a:rPr lang="es-419" sz="2800" dirty="0">
+                <a:latin typeface="Arial" panose="020B0604020202020204" pitchFamily="34" charset="0"/>
+                <a:cs typeface="Arial" panose="020B0604020202020204" pitchFamily="34" charset="0"/>
+              </a:rPr>
               <a:t> </a:t>
             </a:r>
             <a:r>
-              <a:rPr lang="en-US" dirty="0"/>
-              <a:t>on tedious tasks.</a:t>
-            </a:r>
+              <a:rPr lang="en-US" sz="2800" dirty="0">
+                <a:latin typeface="Arial" panose="020B0604020202020204" pitchFamily="34" charset="0"/>
+                <a:cs typeface="Arial" panose="020B0604020202020204" pitchFamily="34" charset="0"/>
+              </a:rPr>
+              <a:t>on tedious </a:t>
+            </a:r>
+            <a:r>
+              <a:rPr lang="en-US" sz="2800" dirty="0" smtClean="0">
+                <a:latin typeface="Arial" panose="020B0604020202020204" pitchFamily="34" charset="0"/>
+                <a:cs typeface="Arial" panose="020B0604020202020204" pitchFamily="34" charset="0"/>
+              </a:rPr>
+              <a:t>tasks</a:t>
+            </a:r>
+            <a:endParaRPr lang="en-US" sz="2800" dirty="0">
+              <a:latin typeface="Arial" panose="020B0604020202020204" pitchFamily="34" charset="0"/>
+              <a:cs typeface="Arial" panose="020B0604020202020204" pitchFamily="34" charset="0"/>
+            </a:endParaRPr>
           </a:p>
           <a:p>
             <a:pPr lvl="1">
@@ -3594,9 +3678,23 @@
               <a:buChar char="§"/>
             </a:pPr>
             <a:r>
-              <a:rPr lang="en-US" dirty="0"/>
-              <a:t>Floor inspection.</a:t>
-            </a:r>
+              <a:rPr lang="en-US" sz="2400" dirty="0">
+                <a:latin typeface="Arial" panose="020B0604020202020204" pitchFamily="34" charset="0"/>
+                <a:cs typeface="Arial" panose="020B0604020202020204" pitchFamily="34" charset="0"/>
+              </a:rPr>
+              <a:t>Floor </a:t>
+            </a:r>
+            <a:r>
+              <a:rPr lang="en-US" sz="2400" dirty="0" smtClean="0">
+                <a:latin typeface="Arial" panose="020B0604020202020204" pitchFamily="34" charset="0"/>
+                <a:cs typeface="Arial" panose="020B0604020202020204" pitchFamily="34" charset="0"/>
+              </a:rPr>
+              <a:t>inspection</a:t>
+            </a:r>
+            <a:endParaRPr lang="en-US" sz="2400" dirty="0">
+              <a:latin typeface="Arial" panose="020B0604020202020204" pitchFamily="34" charset="0"/>
+              <a:cs typeface="Arial" panose="020B0604020202020204" pitchFamily="34" charset="0"/>
+            </a:endParaRPr>
           </a:p>
           <a:p>
             <a:pPr lvl="1">
@@ -3604,9 +3702,23 @@
               <a:buChar char="§"/>
             </a:pPr>
             <a:r>
-              <a:rPr lang="en-US" dirty="0"/>
-              <a:t>Assign  repetitive activities.</a:t>
-            </a:r>
+              <a:rPr lang="en-US" sz="2400" dirty="0">
+                <a:latin typeface="Arial" panose="020B0604020202020204" pitchFamily="34" charset="0"/>
+                <a:cs typeface="Arial" panose="020B0604020202020204" pitchFamily="34" charset="0"/>
+              </a:rPr>
+              <a:t>Assign  repetitive </a:t>
+            </a:r>
+            <a:r>
+              <a:rPr lang="en-US" sz="2400" dirty="0" smtClean="0">
+                <a:latin typeface="Arial" panose="020B0604020202020204" pitchFamily="34" charset="0"/>
+                <a:cs typeface="Arial" panose="020B0604020202020204" pitchFamily="34" charset="0"/>
+              </a:rPr>
+              <a:t>activities</a:t>
+            </a:r>
+            <a:endParaRPr lang="en-US" sz="2400" dirty="0">
+              <a:latin typeface="Arial" panose="020B0604020202020204" pitchFamily="34" charset="0"/>
+              <a:cs typeface="Arial" panose="020B0604020202020204" pitchFamily="34" charset="0"/>
+            </a:endParaRPr>
           </a:p>
           <a:p>
             <a:pPr lvl="1">
@@ -3614,37 +3726,19 @@
               <a:buChar char="§"/>
             </a:pPr>
             <a:r>
-              <a:rPr lang="en-US" dirty="0"/>
-              <a:t>Signing inspection papers.</a:t>
-            </a:r>
-          </a:p>
-          <a:p>
-            <a:pPr lvl="1">
-              <a:buFont typeface="Wingdings" panose="05000000000000000000" pitchFamily="2" charset="2"/>
-              <a:buChar char="§"/>
-            </a:pPr>
-            <a:endParaRPr lang="en-US" dirty="0"/>
-          </a:p>
-          <a:p>
-            <a:pPr lvl="1">
-              <a:buFont typeface="Wingdings" panose="05000000000000000000" pitchFamily="2" charset="2"/>
-              <a:buChar char="§"/>
-            </a:pPr>
-            <a:endParaRPr lang="en-US" dirty="0"/>
-          </a:p>
-          <a:p>
-            <a:endParaRPr lang="en-US" dirty="0"/>
-          </a:p>
-          <a:p>
-            <a:endParaRPr lang="en-US" dirty="0"/>
-          </a:p>
-          <a:p>
-            <a:endParaRPr lang="en-US" dirty="0"/>
-          </a:p>
-          <a:p>
-            <a:endParaRPr lang="es-419" dirty="0"/>
-          </a:p>
-          <a:p>
+              <a:rPr lang="en-US" sz="2400" dirty="0">
+                <a:latin typeface="Arial" panose="020B0604020202020204" pitchFamily="34" charset="0"/>
+                <a:cs typeface="Arial" panose="020B0604020202020204" pitchFamily="34" charset="0"/>
+              </a:rPr>
+              <a:t>Signing inspection </a:t>
+            </a:r>
+            <a:r>
+              <a:rPr lang="en-US" sz="2400" dirty="0" smtClean="0">
+                <a:latin typeface="Arial" panose="020B0604020202020204" pitchFamily="34" charset="0"/>
+                <a:cs typeface="Arial" panose="020B0604020202020204" pitchFamily="34" charset="0"/>
+              </a:rPr>
+              <a:t>papers</a:t>
+            </a:r>
             <a:endParaRPr lang="en-US" dirty="0"/>
           </a:p>
           <a:p>
@@ -3714,115 +3808,238 @@
             <p:ph idx="1"/>
           </p:nvPr>
         </p:nvSpPr>
-        <p:spPr/>
-        <p:txBody>
-          <a:bodyPr/>
-          <a:lstStyle/>
-          <a:p>
-            <a:pPr marL="0" indent="0">
-              <a:buNone/>
+        <p:spPr>
+          <a:xfrm>
+            <a:off x="3869268" y="926430"/>
+            <a:ext cx="6923058" cy="4877843"/>
+          </a:xfrm>
+        </p:spPr>
+        <p:txBody>
+          <a:bodyPr/>
+          <a:lstStyle/>
+          <a:p>
+            <a:pPr>
+              <a:lnSpc>
+                <a:spcPct val="100000"/>
+              </a:lnSpc>
+              <a:buFont typeface="Wingdings" panose="05000000000000000000" pitchFamily="2" charset="2"/>
+              <a:buChar char="v"/>
             </a:pPr>
             <a:r>
-              <a:rPr lang="en-US" dirty="0"/>
-              <a:t>Ticketing System.</a:t>
-            </a:r>
+              <a:rPr lang="en-US" sz="2400" dirty="0">
+                <a:latin typeface="Arial" panose="020B0604020202020204" pitchFamily="34" charset="0"/>
+                <a:cs typeface="Arial" panose="020B0604020202020204" pitchFamily="34" charset="0"/>
+              </a:rPr>
+              <a:t>Ticketing </a:t>
+            </a:r>
+            <a:r>
+              <a:rPr lang="en-US" sz="2400" dirty="0" smtClean="0">
+                <a:latin typeface="Arial" panose="020B0604020202020204" pitchFamily="34" charset="0"/>
+                <a:cs typeface="Arial" panose="020B0604020202020204" pitchFamily="34" charset="0"/>
+              </a:rPr>
+              <a:t>System</a:t>
+            </a:r>
+            <a:endParaRPr lang="en-US" sz="2400" dirty="0">
+              <a:latin typeface="Arial" panose="020B0604020202020204" pitchFamily="34" charset="0"/>
+              <a:cs typeface="Arial" panose="020B0604020202020204" pitchFamily="34" charset="0"/>
+            </a:endParaRPr>
           </a:p>
           <a:p>
             <a:pPr>
+              <a:lnSpc>
+                <a:spcPct val="100000"/>
+              </a:lnSpc>
               <a:buFont typeface="Wingdings" panose="05000000000000000000" pitchFamily="2" charset="2"/>
-              <a:buChar char="Ø"/>
+              <a:buChar char="v"/>
             </a:pPr>
             <a:r>
-              <a:rPr lang="en-US" dirty="0"/>
-              <a:t>Detect Problem: Failure / lack of supplies.</a:t>
-            </a:r>
+              <a:rPr lang="en-US" sz="2400" dirty="0">
+                <a:latin typeface="Arial" panose="020B0604020202020204" pitchFamily="34" charset="0"/>
+                <a:cs typeface="Arial" panose="020B0604020202020204" pitchFamily="34" charset="0"/>
+              </a:rPr>
+              <a:t>Detect </a:t>
+            </a:r>
+            <a:r>
+              <a:rPr lang="en-US" sz="2400" dirty="0" smtClean="0">
+                <a:latin typeface="Arial" panose="020B0604020202020204" pitchFamily="34" charset="0"/>
+                <a:cs typeface="Arial" panose="020B0604020202020204" pitchFamily="34" charset="0"/>
+              </a:rPr>
+              <a:t>Problem – Failure or lack </a:t>
+            </a:r>
+            <a:r>
+              <a:rPr lang="en-US" sz="2400" dirty="0">
+                <a:latin typeface="Arial" panose="020B0604020202020204" pitchFamily="34" charset="0"/>
+                <a:cs typeface="Arial" panose="020B0604020202020204" pitchFamily="34" charset="0"/>
+              </a:rPr>
+              <a:t>of </a:t>
+            </a:r>
+            <a:r>
+              <a:rPr lang="en-US" sz="2400" dirty="0" smtClean="0">
+                <a:latin typeface="Arial" panose="020B0604020202020204" pitchFamily="34" charset="0"/>
+                <a:cs typeface="Arial" panose="020B0604020202020204" pitchFamily="34" charset="0"/>
+              </a:rPr>
+              <a:t>supplies</a:t>
+            </a:r>
+            <a:endParaRPr lang="en-US" sz="2400" dirty="0">
+              <a:latin typeface="Arial" panose="020B0604020202020204" pitchFamily="34" charset="0"/>
+              <a:cs typeface="Arial" panose="020B0604020202020204" pitchFamily="34" charset="0"/>
+            </a:endParaRPr>
           </a:p>
           <a:p>
             <a:pPr lvl="1">
-              <a:buFont typeface="Arial" panose="020B0604020202020204" pitchFamily="34" charset="0"/>
-              <a:buChar char="•"/>
+              <a:lnSpc>
+                <a:spcPct val="100000"/>
+              </a:lnSpc>
+              <a:buFont typeface="Wingdings" panose="05000000000000000000" pitchFamily="2" charset="2"/>
+              <a:buChar char="§"/>
             </a:pPr>
             <a:r>
-              <a:rPr lang="en-US" dirty="0"/>
+              <a:rPr lang="en-US" sz="2000" dirty="0">
+                <a:latin typeface="Arial" panose="020B0604020202020204" pitchFamily="34" charset="0"/>
+                <a:cs typeface="Arial" panose="020B0604020202020204" pitchFamily="34" charset="0"/>
+              </a:rPr>
               <a:t>Sensors.</a:t>
             </a:r>
           </a:p>
           <a:p>
             <a:pPr>
+              <a:lnSpc>
+                <a:spcPct val="100000"/>
+              </a:lnSpc>
               <a:buFont typeface="Wingdings" panose="05000000000000000000" pitchFamily="2" charset="2"/>
-              <a:buChar char="Ø"/>
+              <a:buChar char="v"/>
             </a:pPr>
             <a:r>
-              <a:rPr lang="en-US" dirty="0"/>
-              <a:t>Find  suitable resource  to fix problem.</a:t>
-            </a:r>
+              <a:rPr lang="en-US" sz="2400" dirty="0">
+                <a:latin typeface="Arial" panose="020B0604020202020204" pitchFamily="34" charset="0"/>
+                <a:cs typeface="Arial" panose="020B0604020202020204" pitchFamily="34" charset="0"/>
+              </a:rPr>
+              <a:t>Find  suitable resource  to fix </a:t>
+            </a:r>
+            <a:r>
+              <a:rPr lang="en-US" sz="2400" dirty="0" smtClean="0">
+                <a:latin typeface="Arial" panose="020B0604020202020204" pitchFamily="34" charset="0"/>
+                <a:cs typeface="Arial" panose="020B0604020202020204" pitchFamily="34" charset="0"/>
+              </a:rPr>
+              <a:t>problem</a:t>
+            </a:r>
+            <a:endParaRPr lang="en-US" sz="2400" dirty="0">
+              <a:latin typeface="Arial" panose="020B0604020202020204" pitchFamily="34" charset="0"/>
+              <a:cs typeface="Arial" panose="020B0604020202020204" pitchFamily="34" charset="0"/>
+            </a:endParaRPr>
           </a:p>
           <a:p>
             <a:pPr lvl="1">
-              <a:buFont typeface="Arial" panose="020B0604020202020204" pitchFamily="34" charset="0"/>
-              <a:buChar char="•"/>
+              <a:lnSpc>
+                <a:spcPct val="100000"/>
+              </a:lnSpc>
+              <a:buFont typeface="Wingdings" panose="05000000000000000000" pitchFamily="2" charset="2"/>
+              <a:buChar char="§"/>
             </a:pPr>
             <a:r>
-              <a:rPr lang="en-US" dirty="0"/>
+              <a:rPr lang="en-US" sz="2000" dirty="0">
+                <a:latin typeface="Arial" panose="020B0604020202020204" pitchFamily="34" charset="0"/>
+                <a:cs typeface="Arial" panose="020B0604020202020204" pitchFamily="34" charset="0"/>
+              </a:rPr>
               <a:t>Location</a:t>
             </a:r>
           </a:p>
           <a:p>
             <a:pPr lvl="1">
-              <a:buFont typeface="Arial" panose="020B0604020202020204" pitchFamily="34" charset="0"/>
-              <a:buChar char="•"/>
+              <a:lnSpc>
+                <a:spcPct val="100000"/>
+              </a:lnSpc>
+              <a:buFont typeface="Wingdings" panose="05000000000000000000" pitchFamily="2" charset="2"/>
+              <a:buChar char="§"/>
             </a:pPr>
             <a:r>
-              <a:rPr lang="en-US" dirty="0"/>
+              <a:rPr lang="en-US" sz="2000" dirty="0">
+                <a:latin typeface="Arial" panose="020B0604020202020204" pitchFamily="34" charset="0"/>
+                <a:cs typeface="Arial" panose="020B0604020202020204" pitchFamily="34" charset="0"/>
+              </a:rPr>
               <a:t>Role</a:t>
             </a:r>
           </a:p>
           <a:p>
             <a:pPr>
+              <a:lnSpc>
+                <a:spcPct val="100000"/>
+              </a:lnSpc>
               <a:buFont typeface="Wingdings" panose="05000000000000000000" pitchFamily="2" charset="2"/>
-              <a:buChar char="Ø"/>
+              <a:buChar char="v"/>
             </a:pPr>
             <a:r>
-              <a:rPr lang="en-US" dirty="0"/>
-              <a:t>Generate and Assign ticket.</a:t>
-            </a:r>
+              <a:rPr lang="en-US" sz="2400" dirty="0">
+                <a:latin typeface="Arial" panose="020B0604020202020204" pitchFamily="34" charset="0"/>
+                <a:cs typeface="Arial" panose="020B0604020202020204" pitchFamily="34" charset="0"/>
+              </a:rPr>
+              <a:t>Generate and Assign </a:t>
+            </a:r>
+            <a:r>
+              <a:rPr lang="en-US" sz="2400" dirty="0" smtClean="0">
+                <a:latin typeface="Arial" panose="020B0604020202020204" pitchFamily="34" charset="0"/>
+                <a:cs typeface="Arial" panose="020B0604020202020204" pitchFamily="34" charset="0"/>
+              </a:rPr>
+              <a:t>ticket</a:t>
+            </a:r>
+            <a:endParaRPr lang="en-US" sz="2400" dirty="0">
+              <a:latin typeface="Arial" panose="020B0604020202020204" pitchFamily="34" charset="0"/>
+              <a:cs typeface="Arial" panose="020B0604020202020204" pitchFamily="34" charset="0"/>
+            </a:endParaRPr>
           </a:p>
           <a:p>
             <a:pPr>
+              <a:lnSpc>
+                <a:spcPct val="100000"/>
+              </a:lnSpc>
               <a:buFont typeface="Wingdings" panose="05000000000000000000" pitchFamily="2" charset="2"/>
-              <a:buChar char="Ø"/>
+              <a:buChar char="v"/>
             </a:pPr>
             <a:r>
-              <a:rPr lang="en-US" dirty="0"/>
-              <a:t>Fix problem.</a:t>
-            </a:r>
+              <a:rPr lang="en-US" sz="2400" dirty="0">
+                <a:latin typeface="Arial" panose="020B0604020202020204" pitchFamily="34" charset="0"/>
+                <a:cs typeface="Arial" panose="020B0604020202020204" pitchFamily="34" charset="0"/>
+              </a:rPr>
+              <a:t>Fix </a:t>
+            </a:r>
+            <a:r>
+              <a:rPr lang="en-US" sz="2400" dirty="0" smtClean="0">
+                <a:latin typeface="Arial" panose="020B0604020202020204" pitchFamily="34" charset="0"/>
+                <a:cs typeface="Arial" panose="020B0604020202020204" pitchFamily="34" charset="0"/>
+              </a:rPr>
+              <a:t>problem</a:t>
+            </a:r>
+            <a:endParaRPr lang="en-US" sz="2400" dirty="0">
+              <a:latin typeface="Arial" panose="020B0604020202020204" pitchFamily="34" charset="0"/>
+              <a:cs typeface="Arial" panose="020B0604020202020204" pitchFamily="34" charset="0"/>
+            </a:endParaRPr>
           </a:p>
           <a:p>
             <a:pPr>
+              <a:lnSpc>
+                <a:spcPct val="100000"/>
+              </a:lnSpc>
               <a:buFont typeface="Wingdings" panose="05000000000000000000" pitchFamily="2" charset="2"/>
-              <a:buChar char="Ø"/>
+              <a:buChar char="v"/>
             </a:pPr>
             <a:r>
-              <a:rPr lang="en-US" dirty="0"/>
-              <a:t>Close ticket.</a:t>
-            </a:r>
-          </a:p>
-          <a:p>
-            <a:pPr>
-              <a:buFont typeface="Wingdings" panose="05000000000000000000" pitchFamily="2" charset="2"/>
-              <a:buChar char="Ø"/>
-            </a:pPr>
-            <a:endParaRPr lang="en-US" dirty="0"/>
-          </a:p>
-          <a:p>
-            <a:pPr>
-              <a:buFont typeface="Wingdings" panose="05000000000000000000" pitchFamily="2" charset="2"/>
-              <a:buChar char="Ø"/>
-            </a:pPr>
-            <a:endParaRPr lang="en-US" dirty="0"/>
-          </a:p>
-          <a:p>
-            <a:endParaRPr lang="en-US" dirty="0"/>
+              <a:rPr lang="en-US" sz="2400" dirty="0">
+                <a:latin typeface="Arial" panose="020B0604020202020204" pitchFamily="34" charset="0"/>
+                <a:cs typeface="Arial" panose="020B0604020202020204" pitchFamily="34" charset="0"/>
+              </a:rPr>
+              <a:t>Close </a:t>
+            </a:r>
+            <a:r>
+              <a:rPr lang="en-US" sz="2400" dirty="0" smtClean="0">
+                <a:latin typeface="Arial" panose="020B0604020202020204" pitchFamily="34" charset="0"/>
+                <a:cs typeface="Arial" panose="020B0604020202020204" pitchFamily="34" charset="0"/>
+              </a:rPr>
+              <a:t>ticket</a:t>
+            </a:r>
+            <a:endParaRPr lang="en-US" sz="2400" dirty="0">
+              <a:latin typeface="Arial" panose="020B0604020202020204" pitchFamily="34" charset="0"/>
+              <a:cs typeface="Arial" panose="020B0604020202020204" pitchFamily="34" charset="0"/>
+            </a:endParaRPr>
           </a:p>
         </p:txBody>
       </p:sp>
@@ -4674,93 +4891,157 @@
           <a:p>
             <a:pPr>
               <a:buFont typeface="Wingdings" panose="05000000000000000000" pitchFamily="2" charset="2"/>
-              <a:buChar char="Ø"/>
+              <a:buChar char="v"/>
             </a:pPr>
             <a:r>
-              <a:rPr lang="en-US" dirty="0"/>
-              <a:t>Improve response time.</a:t>
-            </a:r>
+              <a:rPr lang="en-US" dirty="0">
+                <a:latin typeface="Arial" panose="020B0604020202020204" pitchFamily="34" charset="0"/>
+                <a:cs typeface="Arial" panose="020B0604020202020204" pitchFamily="34" charset="0"/>
+              </a:rPr>
+              <a:t>Improve response </a:t>
+            </a:r>
+            <a:r>
+              <a:rPr lang="en-US" dirty="0" smtClean="0">
+                <a:latin typeface="Arial" panose="020B0604020202020204" pitchFamily="34" charset="0"/>
+                <a:cs typeface="Arial" panose="020B0604020202020204" pitchFamily="34" charset="0"/>
+              </a:rPr>
+              <a:t>time</a:t>
+            </a:r>
+            <a:endParaRPr lang="en-US" dirty="0">
+              <a:latin typeface="Arial" panose="020B0604020202020204" pitchFamily="34" charset="0"/>
+              <a:cs typeface="Arial" panose="020B0604020202020204" pitchFamily="34" charset="0"/>
+            </a:endParaRPr>
           </a:p>
           <a:p>
             <a:pPr>
               <a:buFont typeface="Wingdings" panose="05000000000000000000" pitchFamily="2" charset="2"/>
-              <a:buChar char="Ø"/>
+              <a:buChar char="v"/>
             </a:pPr>
             <a:r>
-              <a:rPr lang="en-US" dirty="0"/>
+              <a:rPr lang="en-US" dirty="0">
+                <a:latin typeface="Arial" panose="020B0604020202020204" pitchFamily="34" charset="0"/>
+                <a:cs typeface="Arial" panose="020B0604020202020204" pitchFamily="34" charset="0"/>
+              </a:rPr>
               <a:t>Automate</a:t>
             </a:r>
             <a:r>
-              <a:rPr lang="es-419" dirty="0"/>
+              <a:rPr lang="es-419" dirty="0">
+                <a:latin typeface="Arial" panose="020B0604020202020204" pitchFamily="34" charset="0"/>
+                <a:cs typeface="Arial" panose="020B0604020202020204" pitchFamily="34" charset="0"/>
+              </a:rPr>
               <a:t> </a:t>
             </a:r>
             <a:r>
-              <a:rPr lang="en-US" dirty="0"/>
+              <a:rPr lang="en-US" dirty="0">
+                <a:latin typeface="Arial" panose="020B0604020202020204" pitchFamily="34" charset="0"/>
+                <a:cs typeface="Arial" panose="020B0604020202020204" pitchFamily="34" charset="0"/>
+              </a:rPr>
               <a:t>Maintenance</a:t>
             </a:r>
             <a:r>
-              <a:rPr lang="es-419" dirty="0"/>
+              <a:rPr lang="es-419" dirty="0">
+                <a:latin typeface="Arial" panose="020B0604020202020204" pitchFamily="34" charset="0"/>
+                <a:cs typeface="Arial" panose="020B0604020202020204" pitchFamily="34" charset="0"/>
+              </a:rPr>
               <a:t> </a:t>
             </a:r>
             <a:r>
-              <a:rPr lang="es-419" dirty="0" err="1"/>
+              <a:rPr lang="es-419" dirty="0" err="1" smtClean="0">
+                <a:latin typeface="Arial" panose="020B0604020202020204" pitchFamily="34" charset="0"/>
+                <a:cs typeface="Arial" panose="020B0604020202020204" pitchFamily="34" charset="0"/>
+              </a:rPr>
               <a:t>Processes</a:t>
             </a:r>
-            <a:r>
-              <a:rPr lang="es-419" dirty="0"/>
-              <a:t>.</a:t>
-            </a:r>
+            <a:endParaRPr lang="es-419" dirty="0">
+              <a:latin typeface="Arial" panose="020B0604020202020204" pitchFamily="34" charset="0"/>
+              <a:cs typeface="Arial" panose="020B0604020202020204" pitchFamily="34" charset="0"/>
+            </a:endParaRPr>
           </a:p>
           <a:p>
             <a:pPr>
               <a:buFont typeface="Wingdings" panose="05000000000000000000" pitchFamily="2" charset="2"/>
-              <a:buChar char="Ø"/>
+              <a:buChar char="v"/>
             </a:pPr>
             <a:r>
-              <a:rPr lang="es-419" dirty="0" err="1"/>
+              <a:rPr lang="es-419" dirty="0" err="1">
+                <a:latin typeface="Arial" panose="020B0604020202020204" pitchFamily="34" charset="0"/>
+                <a:cs typeface="Arial" panose="020B0604020202020204" pitchFamily="34" charset="0"/>
+              </a:rPr>
               <a:t>Efficient</a:t>
             </a:r>
             <a:r>
-              <a:rPr lang="es-419" dirty="0"/>
+              <a:rPr lang="es-419" dirty="0">
+                <a:latin typeface="Arial" panose="020B0604020202020204" pitchFamily="34" charset="0"/>
+                <a:cs typeface="Arial" panose="020B0604020202020204" pitchFamily="34" charset="0"/>
+              </a:rPr>
               <a:t> </a:t>
             </a:r>
             <a:r>
-              <a:rPr lang="es-419" dirty="0" err="1"/>
+              <a:rPr lang="es-419" dirty="0" err="1">
+                <a:latin typeface="Arial" panose="020B0604020202020204" pitchFamily="34" charset="0"/>
+                <a:cs typeface="Arial" panose="020B0604020202020204" pitchFamily="34" charset="0"/>
+              </a:rPr>
               <a:t>Resource</a:t>
             </a:r>
             <a:r>
-              <a:rPr lang="es-419" dirty="0"/>
+              <a:rPr lang="es-419" dirty="0">
+                <a:latin typeface="Arial" panose="020B0604020202020204" pitchFamily="34" charset="0"/>
+                <a:cs typeface="Arial" panose="020B0604020202020204" pitchFamily="34" charset="0"/>
+              </a:rPr>
               <a:t> </a:t>
             </a:r>
             <a:r>
-              <a:rPr lang="es-419" dirty="0" err="1"/>
+              <a:rPr lang="es-419" dirty="0" err="1" smtClean="0">
+                <a:latin typeface="Arial" panose="020B0604020202020204" pitchFamily="34" charset="0"/>
+                <a:cs typeface="Arial" panose="020B0604020202020204" pitchFamily="34" charset="0"/>
+              </a:rPr>
               <a:t>Utilization</a:t>
             </a:r>
-            <a:r>
-              <a:rPr lang="es-419" dirty="0"/>
-              <a:t>.</a:t>
-            </a:r>
+            <a:endParaRPr lang="es-419" dirty="0">
+              <a:latin typeface="Arial" panose="020B0604020202020204" pitchFamily="34" charset="0"/>
+              <a:cs typeface="Arial" panose="020B0604020202020204" pitchFamily="34" charset="0"/>
+            </a:endParaRPr>
           </a:p>
           <a:p>
             <a:pPr>
               <a:buFont typeface="Wingdings" panose="05000000000000000000" pitchFamily="2" charset="2"/>
-              <a:buChar char="Ø"/>
+              <a:buChar char="v"/>
             </a:pPr>
             <a:r>
-              <a:rPr lang="en-US" dirty="0"/>
-              <a:t>Reducing costs on HR.</a:t>
-            </a:r>
+              <a:rPr lang="en-US" dirty="0">
+                <a:latin typeface="Arial" panose="020B0604020202020204" pitchFamily="34" charset="0"/>
+                <a:cs typeface="Arial" panose="020B0604020202020204" pitchFamily="34" charset="0"/>
+              </a:rPr>
+              <a:t>Reducing costs on </a:t>
+            </a:r>
+            <a:r>
+              <a:rPr lang="en-US" dirty="0" smtClean="0">
+                <a:latin typeface="Arial" panose="020B0604020202020204" pitchFamily="34" charset="0"/>
+                <a:cs typeface="Arial" panose="020B0604020202020204" pitchFamily="34" charset="0"/>
+              </a:rPr>
+              <a:t>HR</a:t>
+            </a:r>
+            <a:endParaRPr lang="en-US" dirty="0">
+              <a:latin typeface="Arial" panose="020B0604020202020204" pitchFamily="34" charset="0"/>
+              <a:cs typeface="Arial" panose="020B0604020202020204" pitchFamily="34" charset="0"/>
+            </a:endParaRPr>
           </a:p>
           <a:p>
             <a:pPr>
               <a:buFont typeface="Wingdings" panose="05000000000000000000" pitchFamily="2" charset="2"/>
-              <a:buChar char="Ø"/>
+              <a:buChar char="v"/>
             </a:pPr>
             <a:r>
-              <a:rPr lang="en-US"/>
-              <a:t>Accountability.</a:t>
-            </a:r>
-            <a:endParaRPr lang="en-US" dirty="0"/>
+              <a:rPr lang="en-US" dirty="0" smtClean="0">
+                <a:latin typeface="Arial" panose="020B0604020202020204" pitchFamily="34" charset="0"/>
+                <a:cs typeface="Arial" panose="020B0604020202020204" pitchFamily="34" charset="0"/>
+              </a:rPr>
+              <a:t>Accountability</a:t>
+            </a:r>
+            <a:endParaRPr lang="en-US" dirty="0">
+              <a:latin typeface="Arial" panose="020B0604020202020204" pitchFamily="34" charset="0"/>
+              <a:cs typeface="Arial" panose="020B0604020202020204" pitchFamily="34" charset="0"/>
+            </a:endParaRPr>
           </a:p>
           <a:p>
             <a:endParaRPr lang="es-419" dirty="0"/>

--- a/Presentation/Automatic Ticketing System (ATS).pptx
+++ b/Presentation/Automatic Ticketing System (ATS).pptx
@@ -3425,33 +3425,32 @@
               <a:t>Group: </a:t>
             </a:r>
             <a:r>
-              <a:rPr lang="en-US" sz="2000" dirty="0" err="1" smtClean="0"/>
+              <a:rPr lang="en-US" sz="2000" dirty="0" err="1"/>
               <a:t>SenseIT</a:t>
             </a:r>
-            <a:endParaRPr lang="en-US" sz="2000" dirty="0" smtClean="0"/>
-          </a:p>
-          <a:p>
-            <a:r>
-              <a:rPr lang="en-US" sz="2000" dirty="0" smtClean="0"/>
+            <a:endParaRPr lang="en-US" sz="2000" dirty="0"/>
+          </a:p>
+          <a:p>
+            <a:r>
+              <a:rPr lang="en-US" sz="2000" dirty="0"/>
               <a:t>Members: Rakesh, Karri, </a:t>
             </a:r>
             <a:r>
-              <a:rPr lang="en-US" sz="2000" dirty="0" err="1" smtClean="0"/>
+              <a:rPr lang="en-US" sz="2000" dirty="0" err="1"/>
               <a:t>Klaudia</a:t>
             </a:r>
             <a:r>
-              <a:rPr lang="en-US" sz="2000" dirty="0" smtClean="0"/>
+              <a:rPr lang="en-US" sz="2000" dirty="0"/>
               <a:t>, </a:t>
             </a:r>
             <a:r>
-              <a:rPr lang="en-US" sz="2000" dirty="0" err="1" smtClean="0"/>
+              <a:rPr lang="en-US" sz="2000" dirty="0" err="1"/>
               <a:t>Nadin</a:t>
             </a:r>
             <a:r>
-              <a:rPr lang="en-US" sz="2000" dirty="0" smtClean="0"/>
+              <a:rPr lang="en-US" sz="2000" dirty="0"/>
               <a:t>, Jose</a:t>
             </a:r>
-            <a:endParaRPr lang="en-US" sz="2000" dirty="0"/>
           </a:p>
           <a:p>
             <a:r>
@@ -3531,7 +3530,7 @@
         </p:nvSpPr>
         <p:spPr>
           <a:xfrm>
-            <a:off x="3988907" y="1034716"/>
+            <a:off x="3846271" y="174368"/>
             <a:ext cx="6478568" cy="4475748"/>
           </a:xfrm>
         </p:spPr>
@@ -3551,19 +3550,8 @@
                 <a:latin typeface="Arial" panose="020B0604020202020204" pitchFamily="34" charset="0"/>
                 <a:cs typeface="Arial" panose="020B0604020202020204" pitchFamily="34" charset="0"/>
               </a:rPr>
-              <a:t>Running out of daily office </a:t>
-            </a:r>
-            <a:r>
-              <a:rPr lang="en-US" sz="2800" dirty="0" smtClean="0">
-                <a:latin typeface="Arial" panose="020B0604020202020204" pitchFamily="34" charset="0"/>
-                <a:cs typeface="Arial" panose="020B0604020202020204" pitchFamily="34" charset="0"/>
-              </a:rPr>
-              <a:t>supplies</a:t>
-            </a:r>
-            <a:endParaRPr lang="en-US" sz="2800" dirty="0">
-              <a:latin typeface="Arial" panose="020B0604020202020204" pitchFamily="34" charset="0"/>
-              <a:cs typeface="Arial" panose="020B0604020202020204" pitchFamily="34" charset="0"/>
-            </a:endParaRPr>
+              <a:t>Running out of daily office supplies</a:t>
+            </a:r>
           </a:p>
           <a:p>
             <a:pPr>
@@ -3599,7 +3587,7 @@
               <a:t> </a:t>
             </a:r>
             <a:r>
-              <a:rPr lang="en-US" sz="2800" dirty="0" smtClean="0">
+              <a:rPr lang="en-US" sz="2800" dirty="0">
                 <a:latin typeface="Arial" panose="020B0604020202020204" pitchFamily="34" charset="0"/>
                 <a:cs typeface="Arial" panose="020B0604020202020204" pitchFamily="34" charset="0"/>
               </a:rPr>
@@ -3658,19 +3646,8 @@
                 <a:latin typeface="Arial" panose="020B0604020202020204" pitchFamily="34" charset="0"/>
                 <a:cs typeface="Arial" panose="020B0604020202020204" pitchFamily="34" charset="0"/>
               </a:rPr>
-              <a:t>on tedious </a:t>
-            </a:r>
-            <a:r>
-              <a:rPr lang="en-US" sz="2800" dirty="0" smtClean="0">
-                <a:latin typeface="Arial" panose="020B0604020202020204" pitchFamily="34" charset="0"/>
-                <a:cs typeface="Arial" panose="020B0604020202020204" pitchFamily="34" charset="0"/>
-              </a:rPr>
-              <a:t>tasks</a:t>
-            </a:r>
-            <a:endParaRPr lang="en-US" sz="2800" dirty="0">
-              <a:latin typeface="Arial" panose="020B0604020202020204" pitchFamily="34" charset="0"/>
-              <a:cs typeface="Arial" panose="020B0604020202020204" pitchFamily="34" charset="0"/>
-            </a:endParaRPr>
+              <a:t>on tedious tasks</a:t>
+            </a:r>
           </a:p>
           <a:p>
             <a:pPr lvl="1">
@@ -3682,19 +3659,8 @@
                 <a:latin typeface="Arial" panose="020B0604020202020204" pitchFamily="34" charset="0"/>
                 <a:cs typeface="Arial" panose="020B0604020202020204" pitchFamily="34" charset="0"/>
               </a:rPr>
-              <a:t>Floor </a:t>
-            </a:r>
-            <a:r>
-              <a:rPr lang="en-US" sz="2400" dirty="0" smtClean="0">
-                <a:latin typeface="Arial" panose="020B0604020202020204" pitchFamily="34" charset="0"/>
-                <a:cs typeface="Arial" panose="020B0604020202020204" pitchFamily="34" charset="0"/>
-              </a:rPr>
-              <a:t>inspection</a:t>
-            </a:r>
-            <a:endParaRPr lang="en-US" sz="2400" dirty="0">
-              <a:latin typeface="Arial" panose="020B0604020202020204" pitchFamily="34" charset="0"/>
-              <a:cs typeface="Arial" panose="020B0604020202020204" pitchFamily="34" charset="0"/>
-            </a:endParaRPr>
+              <a:t>Floor inspection</a:t>
+            </a:r>
           </a:p>
           <a:p>
             <a:pPr lvl="1">
@@ -3706,19 +3672,8 @@
                 <a:latin typeface="Arial" panose="020B0604020202020204" pitchFamily="34" charset="0"/>
                 <a:cs typeface="Arial" panose="020B0604020202020204" pitchFamily="34" charset="0"/>
               </a:rPr>
-              <a:t>Assign  repetitive </a:t>
-            </a:r>
-            <a:r>
-              <a:rPr lang="en-US" sz="2400" dirty="0" smtClean="0">
-                <a:latin typeface="Arial" panose="020B0604020202020204" pitchFamily="34" charset="0"/>
-                <a:cs typeface="Arial" panose="020B0604020202020204" pitchFamily="34" charset="0"/>
-              </a:rPr>
-              <a:t>activities</a:t>
-            </a:r>
-            <a:endParaRPr lang="en-US" sz="2400" dirty="0">
-              <a:latin typeface="Arial" panose="020B0604020202020204" pitchFamily="34" charset="0"/>
-              <a:cs typeface="Arial" panose="020B0604020202020204" pitchFamily="34" charset="0"/>
-            </a:endParaRPr>
+              <a:t>Assign  repetitive activities</a:t>
+            </a:r>
           </a:p>
           <a:p>
             <a:pPr lvl="1">
@@ -3730,22 +3685,97 @@
                 <a:latin typeface="Arial" panose="020B0604020202020204" pitchFamily="34" charset="0"/>
                 <a:cs typeface="Arial" panose="020B0604020202020204" pitchFamily="34" charset="0"/>
               </a:rPr>
-              <a:t>Signing inspection </a:t>
-            </a:r>
-            <a:r>
-              <a:rPr lang="en-US" sz="2400" dirty="0" smtClean="0">
-                <a:latin typeface="Arial" panose="020B0604020202020204" pitchFamily="34" charset="0"/>
-                <a:cs typeface="Arial" panose="020B0604020202020204" pitchFamily="34" charset="0"/>
-              </a:rPr>
-              <a:t>papers</a:t>
-            </a:r>
-            <a:endParaRPr lang="en-US" dirty="0"/>
-          </a:p>
-          <a:p>
-            <a:endParaRPr lang="en-US" dirty="0"/>
-          </a:p>
-        </p:txBody>
-      </p:sp>
+              <a:t>Signing inspection papers</a:t>
+            </a:r>
+            <a:endParaRPr lang="en-US" dirty="0"/>
+          </a:p>
+          <a:p>
+            <a:endParaRPr lang="en-US" dirty="0"/>
+          </a:p>
+        </p:txBody>
+      </p:sp>
+      <p:pic>
+        <p:nvPicPr>
+          <p:cNvPr id="4" name="Picture 4" descr="http://www.export.gov.il/UploadedImages/09_2016/iStock_000013997777XSmall.jpg"/>
+          <p:cNvPicPr>
+            <a:picLocks noChangeAspect="1" noChangeArrowheads="1"/>
+          </p:cNvPicPr>
+          <p:nvPr/>
+        </p:nvPicPr>
+        <p:blipFill>
+          <a:blip r:embed="rId2">
+            <a:extLst>
+              <a:ext uri="{28A0092B-C50C-407E-A947-70E740481C1C}">
+                <a14:useLocalDpi xmlns:a14="http://schemas.microsoft.com/office/drawing/2010/main" val="0"/>
+              </a:ext>
+            </a:extLst>
+          </a:blip>
+          <a:srcRect/>
+          <a:stretch>
+            <a:fillRect/>
+          </a:stretch>
+        </p:blipFill>
+        <p:spPr bwMode="auto">
+          <a:xfrm>
+            <a:off x="4429608" y="4013418"/>
+            <a:ext cx="2655947" cy="2587846"/>
+          </a:xfrm>
+          <a:prstGeom prst="rect">
+            <a:avLst/>
+          </a:prstGeom>
+          <a:noFill/>
+          <a:extLst>
+            <a:ext uri="{909E8E84-426E-40DD-AFC4-6F175D3DCCD1}">
+              <a14:hiddenFill xmlns:a14="http://schemas.microsoft.com/office/drawing/2010/main">
+                <a:solidFill>
+                  <a:srgbClr val="FFFFFF"/>
+                </a:solidFill>
+              </a14:hiddenFill>
+            </a:ext>
+          </a:extLst>
+        </p:spPr>
+      </p:pic>
+      <p:pic>
+        <p:nvPicPr>
+          <p:cNvPr id="5" name="Picture 6" descr="Image result for inspection report icon"/>
+          <p:cNvPicPr>
+            <a:picLocks noChangeAspect="1" noChangeArrowheads="1"/>
+          </p:cNvPicPr>
+          <p:nvPr/>
+        </p:nvPicPr>
+        <p:blipFill>
+          <a:blip r:embed="rId3">
+            <a:extLst>
+              <a:ext uri="{28A0092B-C50C-407E-A947-70E740481C1C}">
+                <a14:useLocalDpi xmlns:a14="http://schemas.microsoft.com/office/drawing/2010/main" val="0"/>
+              </a:ext>
+            </a:extLst>
+          </a:blip>
+          <a:srcRect/>
+          <a:stretch>
+            <a:fillRect/>
+          </a:stretch>
+        </p:blipFill>
+        <p:spPr bwMode="auto">
+          <a:xfrm>
+            <a:off x="7731425" y="4398181"/>
+            <a:ext cx="2436036" cy="1818319"/>
+          </a:xfrm>
+          <a:prstGeom prst="rect">
+            <a:avLst/>
+          </a:prstGeom>
+          <a:noFill/>
+          <a:extLst>
+            <a:ext uri="{909E8E84-426E-40DD-AFC4-6F175D3DCCD1}">
+              <a14:hiddenFill xmlns:a14="http://schemas.microsoft.com/office/drawing/2010/main">
+                <a:solidFill>
+                  <a:srgbClr val="FFFFFF"/>
+                </a:solidFill>
+              </a14:hiddenFill>
+            </a:ext>
+          </a:extLst>
+        </p:spPr>
+      </p:pic>
     </p:spTree>
     <p:extLst>
       <p:ext uri="{BB962C8B-B14F-4D97-AF65-F5344CB8AC3E}">
@@ -3830,19 +3860,8 @@
                 <a:latin typeface="Arial" panose="020B0604020202020204" pitchFamily="34" charset="0"/>
                 <a:cs typeface="Arial" panose="020B0604020202020204" pitchFamily="34" charset="0"/>
               </a:rPr>
-              <a:t>Ticketing </a:t>
-            </a:r>
-            <a:r>
-              <a:rPr lang="en-US" sz="2400" dirty="0" smtClean="0">
-                <a:latin typeface="Arial" panose="020B0604020202020204" pitchFamily="34" charset="0"/>
-                <a:cs typeface="Arial" panose="020B0604020202020204" pitchFamily="34" charset="0"/>
-              </a:rPr>
-              <a:t>System</a:t>
-            </a:r>
-            <a:endParaRPr lang="en-US" sz="2400" dirty="0">
-              <a:latin typeface="Arial" panose="020B0604020202020204" pitchFamily="34" charset="0"/>
-              <a:cs typeface="Arial" panose="020B0604020202020204" pitchFamily="34" charset="0"/>
-            </a:endParaRPr>
+              <a:t>Ticketing System</a:t>
+            </a:r>
           </a:p>
           <a:p>
             <a:pPr>
@@ -3857,33 +3876,8 @@
                 <a:latin typeface="Arial" panose="020B0604020202020204" pitchFamily="34" charset="0"/>
                 <a:cs typeface="Arial" panose="020B0604020202020204" pitchFamily="34" charset="0"/>
               </a:rPr>
-              <a:t>Detect </a:t>
-            </a:r>
-            <a:r>
-              <a:rPr lang="en-US" sz="2400" dirty="0" smtClean="0">
-                <a:latin typeface="Arial" panose="020B0604020202020204" pitchFamily="34" charset="0"/>
-                <a:cs typeface="Arial" panose="020B0604020202020204" pitchFamily="34" charset="0"/>
-              </a:rPr>
-              <a:t>Problem – Failure or lack </a:t>
-            </a:r>
-            <a:r>
-              <a:rPr lang="en-US" sz="2400" dirty="0">
-                <a:latin typeface="Arial" panose="020B0604020202020204" pitchFamily="34" charset="0"/>
-                <a:cs typeface="Arial" panose="020B0604020202020204" pitchFamily="34" charset="0"/>
-              </a:rPr>
-              <a:t>of </a:t>
-            </a:r>
-            <a:r>
-              <a:rPr lang="en-US" sz="2400" dirty="0" smtClean="0">
-                <a:latin typeface="Arial" panose="020B0604020202020204" pitchFamily="34" charset="0"/>
-                <a:cs typeface="Arial" panose="020B0604020202020204" pitchFamily="34" charset="0"/>
-              </a:rPr>
-              <a:t>supplies</a:t>
-            </a:r>
-            <a:endParaRPr lang="en-US" sz="2400" dirty="0">
-              <a:latin typeface="Arial" panose="020B0604020202020204" pitchFamily="34" charset="0"/>
-              <a:cs typeface="Arial" panose="020B0604020202020204" pitchFamily="34" charset="0"/>
-            </a:endParaRPr>
+              <a:t>Detect Problem – Failure or lack of supplies</a:t>
+            </a:r>
           </a:p>
           <a:p>
             <a:pPr lvl="1">
@@ -3914,19 +3908,8 @@
                 <a:latin typeface="Arial" panose="020B0604020202020204" pitchFamily="34" charset="0"/>
                 <a:cs typeface="Arial" panose="020B0604020202020204" pitchFamily="34" charset="0"/>
               </a:rPr>
-              <a:t>Find  suitable resource  to fix </a:t>
-            </a:r>
-            <a:r>
-              <a:rPr lang="en-US" sz="2400" dirty="0" smtClean="0">
-                <a:latin typeface="Arial" panose="020B0604020202020204" pitchFamily="34" charset="0"/>
-                <a:cs typeface="Arial" panose="020B0604020202020204" pitchFamily="34" charset="0"/>
-              </a:rPr>
-              <a:t>problem</a:t>
-            </a:r>
-            <a:endParaRPr lang="en-US" sz="2400" dirty="0">
-              <a:latin typeface="Arial" panose="020B0604020202020204" pitchFamily="34" charset="0"/>
-              <a:cs typeface="Arial" panose="020B0604020202020204" pitchFamily="34" charset="0"/>
-            </a:endParaRPr>
+              <a:t>Find  suitable resource  to fix problem</a:t>
+            </a:r>
           </a:p>
           <a:p>
             <a:pPr lvl="1">
@@ -3973,19 +3956,8 @@
                 <a:latin typeface="Arial" panose="020B0604020202020204" pitchFamily="34" charset="0"/>
                 <a:cs typeface="Arial" panose="020B0604020202020204" pitchFamily="34" charset="0"/>
               </a:rPr>
-              <a:t>Generate and Assign </a:t>
-            </a:r>
-            <a:r>
-              <a:rPr lang="en-US" sz="2400" dirty="0" smtClean="0">
-                <a:latin typeface="Arial" panose="020B0604020202020204" pitchFamily="34" charset="0"/>
-                <a:cs typeface="Arial" panose="020B0604020202020204" pitchFamily="34" charset="0"/>
-              </a:rPr>
-              <a:t>ticket</a:t>
-            </a:r>
-            <a:endParaRPr lang="en-US" sz="2400" dirty="0">
-              <a:latin typeface="Arial" panose="020B0604020202020204" pitchFamily="34" charset="0"/>
-              <a:cs typeface="Arial" panose="020B0604020202020204" pitchFamily="34" charset="0"/>
-            </a:endParaRPr>
+              <a:t>Generate and Assign ticket</a:t>
+            </a:r>
           </a:p>
           <a:p>
             <a:pPr>
@@ -4000,19 +3972,8 @@
                 <a:latin typeface="Arial" panose="020B0604020202020204" pitchFamily="34" charset="0"/>
                 <a:cs typeface="Arial" panose="020B0604020202020204" pitchFamily="34" charset="0"/>
               </a:rPr>
-              <a:t>Fix </a:t>
-            </a:r>
-            <a:r>
-              <a:rPr lang="en-US" sz="2400" dirty="0" smtClean="0">
-                <a:latin typeface="Arial" panose="020B0604020202020204" pitchFamily="34" charset="0"/>
-                <a:cs typeface="Arial" panose="020B0604020202020204" pitchFamily="34" charset="0"/>
-              </a:rPr>
-              <a:t>problem</a:t>
-            </a:r>
-            <a:endParaRPr lang="en-US" sz="2400" dirty="0">
-              <a:latin typeface="Arial" panose="020B0604020202020204" pitchFamily="34" charset="0"/>
-              <a:cs typeface="Arial" panose="020B0604020202020204" pitchFamily="34" charset="0"/>
-            </a:endParaRPr>
+              <a:t>Fix problem</a:t>
+            </a:r>
           </a:p>
           <a:p>
             <a:pPr>
@@ -4027,19 +3988,8 @@
                 <a:latin typeface="Arial" panose="020B0604020202020204" pitchFamily="34" charset="0"/>
                 <a:cs typeface="Arial" panose="020B0604020202020204" pitchFamily="34" charset="0"/>
               </a:rPr>
-              <a:t>Close </a:t>
-            </a:r>
-            <a:r>
-              <a:rPr lang="en-US" sz="2400" dirty="0" smtClean="0">
-                <a:latin typeface="Arial" panose="020B0604020202020204" pitchFamily="34" charset="0"/>
-                <a:cs typeface="Arial" panose="020B0604020202020204" pitchFamily="34" charset="0"/>
-              </a:rPr>
-              <a:t>ticket</a:t>
-            </a:r>
-            <a:endParaRPr lang="en-US" sz="2400" dirty="0">
-              <a:latin typeface="Arial" panose="020B0604020202020204" pitchFamily="34" charset="0"/>
-              <a:cs typeface="Arial" panose="020B0604020202020204" pitchFamily="34" charset="0"/>
-            </a:endParaRPr>
+              <a:t>Close ticket</a:t>
+            </a:r>
           </a:p>
         </p:txBody>
       </p:sp>
@@ -4095,445 +4045,30 @@
           </a:p>
         </p:txBody>
       </p:sp>
-      <p:sp>
-        <p:nvSpPr>
-          <p:cNvPr id="4" name="Rectangle 3"/>
-          <p:cNvSpPr/>
+      <p:pic>
+        <p:nvPicPr>
+          <p:cNvPr id="3" name="Picture 2"/>
+          <p:cNvPicPr>
+            <a:picLocks noChangeAspect="1"/>
+          </p:cNvPicPr>
           <p:nvPr/>
-        </p:nvSpPr>
+        </p:nvPicPr>
+        <p:blipFill>
+          <a:blip r:embed="rId2"/>
+          <a:stretch>
+            <a:fillRect/>
+          </a:stretch>
+        </p:blipFill>
         <p:spPr>
           <a:xfrm>
-            <a:off x="3958389" y="1347537"/>
-            <a:ext cx="1359569" cy="757989"/>
+            <a:off x="4095749" y="856249"/>
+            <a:ext cx="6848477" cy="5136357"/>
           </a:xfrm>
           <a:prstGeom prst="rect">
             <a:avLst/>
           </a:prstGeom>
         </p:spPr>
-        <p:style>
-          <a:lnRef idx="1">
-            <a:schemeClr val="accent1"/>
-          </a:lnRef>
-          <a:fillRef idx="2">
-            <a:schemeClr val="accent1"/>
-          </a:fillRef>
-          <a:effectRef idx="1">
-            <a:schemeClr val="accent1"/>
-          </a:effectRef>
-          <a:fontRef idx="minor">
-            <a:schemeClr val="dk1"/>
-          </a:fontRef>
-        </p:style>
-        <p:txBody>
-          <a:bodyPr rtlCol="0" anchor="ctr"/>
-          <a:lstStyle/>
-          <a:p>
-            <a:pPr algn="ctr"/>
-            <a:endParaRPr lang="en-US" sz="1600"/>
-          </a:p>
-        </p:txBody>
-      </p:sp>
-      <p:sp>
-        <p:nvSpPr>
-          <p:cNvPr id="9" name="Oval 8"/>
-          <p:cNvSpPr/>
-          <p:nvPr/>
-        </p:nvSpPr>
-        <p:spPr>
-          <a:xfrm>
-            <a:off x="4078705" y="1443790"/>
-            <a:ext cx="348916" cy="240632"/>
-          </a:xfrm>
-          <a:prstGeom prst="ellipse">
-            <a:avLst/>
-          </a:prstGeom>
-        </p:spPr>
-        <p:style>
-          <a:lnRef idx="2">
-            <a:schemeClr val="accent4">
-              <a:shade val="50000"/>
-            </a:schemeClr>
-          </a:lnRef>
-          <a:fillRef idx="1">
-            <a:schemeClr val="accent4"/>
-          </a:fillRef>
-          <a:effectRef idx="0">
-            <a:schemeClr val="accent4"/>
-          </a:effectRef>
-          <a:fontRef idx="minor">
-            <a:schemeClr val="lt1"/>
-          </a:fontRef>
-        </p:style>
-        <p:txBody>
-          <a:bodyPr rtlCol="0" anchor="ctr"/>
-          <a:lstStyle/>
-          <a:p>
-            <a:pPr algn="ctr"/>
-            <a:endParaRPr lang="en-US" sz="1600" dirty="0"/>
-          </a:p>
-        </p:txBody>
-      </p:sp>
-      <p:sp>
-        <p:nvSpPr>
-          <p:cNvPr id="10" name="Oval 9"/>
-          <p:cNvSpPr/>
-          <p:nvPr/>
-        </p:nvSpPr>
-        <p:spPr>
-          <a:xfrm>
-            <a:off x="4700337" y="1728537"/>
-            <a:ext cx="348916" cy="240632"/>
-          </a:xfrm>
-          <a:prstGeom prst="ellipse">
-            <a:avLst/>
-          </a:prstGeom>
-        </p:spPr>
-        <p:style>
-          <a:lnRef idx="2">
-            <a:schemeClr val="accent4">
-              <a:shade val="50000"/>
-            </a:schemeClr>
-          </a:lnRef>
-          <a:fillRef idx="1">
-            <a:schemeClr val="accent4"/>
-          </a:fillRef>
-          <a:effectRef idx="0">
-            <a:schemeClr val="accent4"/>
-          </a:effectRef>
-          <a:fontRef idx="minor">
-            <a:schemeClr val="lt1"/>
-          </a:fontRef>
-        </p:style>
-        <p:txBody>
-          <a:bodyPr rtlCol="0" anchor="ctr"/>
-          <a:lstStyle/>
-          <a:p>
-            <a:pPr algn="ctr"/>
-            <a:endParaRPr lang="en-US" sz="1600" dirty="0"/>
-          </a:p>
-        </p:txBody>
-      </p:sp>
-      <p:sp>
-        <p:nvSpPr>
-          <p:cNvPr id="11" name="Rectangle 10"/>
-          <p:cNvSpPr/>
-          <p:nvPr/>
-        </p:nvSpPr>
-        <p:spPr>
-          <a:xfrm>
-            <a:off x="3966410" y="2763253"/>
-            <a:ext cx="1359569" cy="757989"/>
-          </a:xfrm>
-          <a:prstGeom prst="rect">
-            <a:avLst/>
-          </a:prstGeom>
-        </p:spPr>
-        <p:style>
-          <a:lnRef idx="1">
-            <a:schemeClr val="accent1"/>
-          </a:lnRef>
-          <a:fillRef idx="2">
-            <a:schemeClr val="accent1"/>
-          </a:fillRef>
-          <a:effectRef idx="1">
-            <a:schemeClr val="accent1"/>
-          </a:effectRef>
-          <a:fontRef idx="minor">
-            <a:schemeClr val="dk1"/>
-          </a:fontRef>
-        </p:style>
-        <p:txBody>
-          <a:bodyPr rtlCol="0" anchor="ctr"/>
-          <a:lstStyle/>
-          <a:p>
-            <a:pPr algn="ctr"/>
-            <a:endParaRPr lang="en-US" sz="1600"/>
-          </a:p>
-        </p:txBody>
-      </p:sp>
-      <p:sp>
-        <p:nvSpPr>
-          <p:cNvPr id="12" name="Oval 11"/>
-          <p:cNvSpPr/>
-          <p:nvPr/>
-        </p:nvSpPr>
-        <p:spPr>
-          <a:xfrm>
-            <a:off x="4086726" y="2859506"/>
-            <a:ext cx="348916" cy="240632"/>
-          </a:xfrm>
-          <a:prstGeom prst="ellipse">
-            <a:avLst/>
-          </a:prstGeom>
-        </p:spPr>
-        <p:style>
-          <a:lnRef idx="2">
-            <a:schemeClr val="accent4">
-              <a:shade val="50000"/>
-            </a:schemeClr>
-          </a:lnRef>
-          <a:fillRef idx="1">
-            <a:schemeClr val="accent4"/>
-          </a:fillRef>
-          <a:effectRef idx="0">
-            <a:schemeClr val="accent4"/>
-          </a:effectRef>
-          <a:fontRef idx="minor">
-            <a:schemeClr val="lt1"/>
-          </a:fontRef>
-        </p:style>
-        <p:txBody>
-          <a:bodyPr rtlCol="0" anchor="ctr"/>
-          <a:lstStyle/>
-          <a:p>
-            <a:pPr algn="ctr"/>
-            <a:endParaRPr lang="en-US" sz="1600" dirty="0"/>
-          </a:p>
-        </p:txBody>
-      </p:sp>
-      <p:sp>
-        <p:nvSpPr>
-          <p:cNvPr id="13" name="Oval 12"/>
-          <p:cNvSpPr/>
-          <p:nvPr/>
-        </p:nvSpPr>
-        <p:spPr>
-          <a:xfrm>
-            <a:off x="4708358" y="3144253"/>
-            <a:ext cx="348916" cy="240632"/>
-          </a:xfrm>
-          <a:prstGeom prst="ellipse">
-            <a:avLst/>
-          </a:prstGeom>
-        </p:spPr>
-        <p:style>
-          <a:lnRef idx="2">
-            <a:schemeClr val="accent4">
-              <a:shade val="50000"/>
-            </a:schemeClr>
-          </a:lnRef>
-          <a:fillRef idx="1">
-            <a:schemeClr val="accent4"/>
-          </a:fillRef>
-          <a:effectRef idx="0">
-            <a:schemeClr val="accent4"/>
-          </a:effectRef>
-          <a:fontRef idx="minor">
-            <a:schemeClr val="lt1"/>
-          </a:fontRef>
-        </p:style>
-        <p:txBody>
-          <a:bodyPr rtlCol="0" anchor="ctr"/>
-          <a:lstStyle/>
-          <a:p>
-            <a:pPr algn="ctr"/>
-            <a:endParaRPr lang="en-US" sz="1600" dirty="0"/>
-          </a:p>
-        </p:txBody>
-      </p:sp>
-      <p:sp>
-        <p:nvSpPr>
-          <p:cNvPr id="14" name="Rectangle 13"/>
-          <p:cNvSpPr/>
-          <p:nvPr/>
-        </p:nvSpPr>
-        <p:spPr>
-          <a:xfrm>
-            <a:off x="3978442" y="4255168"/>
-            <a:ext cx="1359569" cy="757989"/>
-          </a:xfrm>
-          <a:prstGeom prst="rect">
-            <a:avLst/>
-          </a:prstGeom>
-        </p:spPr>
-        <p:style>
-          <a:lnRef idx="1">
-            <a:schemeClr val="accent1"/>
-          </a:lnRef>
-          <a:fillRef idx="2">
-            <a:schemeClr val="accent1"/>
-          </a:fillRef>
-          <a:effectRef idx="1">
-            <a:schemeClr val="accent1"/>
-          </a:effectRef>
-          <a:fontRef idx="minor">
-            <a:schemeClr val="dk1"/>
-          </a:fontRef>
-        </p:style>
-        <p:txBody>
-          <a:bodyPr rtlCol="0" anchor="ctr"/>
-          <a:lstStyle/>
-          <a:p>
-            <a:pPr algn="ctr"/>
-            <a:endParaRPr lang="en-US" sz="1600"/>
-          </a:p>
-        </p:txBody>
-      </p:sp>
-      <p:sp>
-        <p:nvSpPr>
-          <p:cNvPr id="15" name="Oval 14"/>
-          <p:cNvSpPr/>
-          <p:nvPr/>
-        </p:nvSpPr>
-        <p:spPr>
-          <a:xfrm>
-            <a:off x="4098758" y="4351421"/>
-            <a:ext cx="348916" cy="240632"/>
-          </a:xfrm>
-          <a:prstGeom prst="ellipse">
-            <a:avLst/>
-          </a:prstGeom>
-        </p:spPr>
-        <p:style>
-          <a:lnRef idx="2">
-            <a:schemeClr val="accent4">
-              <a:shade val="50000"/>
-            </a:schemeClr>
-          </a:lnRef>
-          <a:fillRef idx="1">
-            <a:schemeClr val="accent4"/>
-          </a:fillRef>
-          <a:effectRef idx="0">
-            <a:schemeClr val="accent4"/>
-          </a:effectRef>
-          <a:fontRef idx="minor">
-            <a:schemeClr val="lt1"/>
-          </a:fontRef>
-        </p:style>
-        <p:txBody>
-          <a:bodyPr rtlCol="0" anchor="ctr"/>
-          <a:lstStyle/>
-          <a:p>
-            <a:pPr algn="ctr"/>
-            <a:endParaRPr lang="en-US" sz="1600" dirty="0"/>
-          </a:p>
-        </p:txBody>
-      </p:sp>
-      <p:sp>
-        <p:nvSpPr>
-          <p:cNvPr id="16" name="Oval 15"/>
-          <p:cNvSpPr/>
-          <p:nvPr/>
-        </p:nvSpPr>
-        <p:spPr>
-          <a:xfrm>
-            <a:off x="4720390" y="4636168"/>
-            <a:ext cx="348916" cy="240632"/>
-          </a:xfrm>
-          <a:prstGeom prst="ellipse">
-            <a:avLst/>
-          </a:prstGeom>
-        </p:spPr>
-        <p:style>
-          <a:lnRef idx="2">
-            <a:schemeClr val="accent4">
-              <a:shade val="50000"/>
-            </a:schemeClr>
-          </a:lnRef>
-          <a:fillRef idx="1">
-            <a:schemeClr val="accent4"/>
-          </a:fillRef>
-          <a:effectRef idx="0">
-            <a:schemeClr val="accent4"/>
-          </a:effectRef>
-          <a:fontRef idx="minor">
-            <a:schemeClr val="lt1"/>
-          </a:fontRef>
-        </p:style>
-        <p:txBody>
-          <a:bodyPr rtlCol="0" anchor="ctr"/>
-          <a:lstStyle/>
-          <a:p>
-            <a:pPr algn="ctr"/>
-            <a:endParaRPr lang="en-US" sz="1600" dirty="0"/>
-          </a:p>
-        </p:txBody>
-      </p:sp>
-      <p:sp>
-        <p:nvSpPr>
-          <p:cNvPr id="17" name="Rectangle 16"/>
-          <p:cNvSpPr/>
-          <p:nvPr/>
-        </p:nvSpPr>
-        <p:spPr>
-          <a:xfrm>
-            <a:off x="6785811" y="2646948"/>
-            <a:ext cx="1720516" cy="986589"/>
-          </a:xfrm>
-          <a:prstGeom prst="rect">
-            <a:avLst/>
-          </a:prstGeom>
-        </p:spPr>
-        <p:style>
-          <a:lnRef idx="2">
-            <a:schemeClr val="accent1">
-              <a:shade val="50000"/>
-            </a:schemeClr>
-          </a:lnRef>
-          <a:fillRef idx="1">
-            <a:schemeClr val="accent1"/>
-          </a:fillRef>
-          <a:effectRef idx="0">
-            <a:schemeClr val="accent1"/>
-          </a:effectRef>
-          <a:fontRef idx="minor">
-            <a:schemeClr val="lt1"/>
-          </a:fontRef>
-        </p:style>
-        <p:txBody>
-          <a:bodyPr rtlCol="0" anchor="ctr"/>
-          <a:lstStyle/>
-          <a:p>
-            <a:pPr algn="ctr"/>
-            <a:r>
-              <a:rPr lang="en-US" sz="2400" b="1" dirty="0"/>
-              <a:t>ATS</a:t>
-            </a:r>
-            <a:endParaRPr lang="en-US" b="1" dirty="0"/>
-          </a:p>
-        </p:txBody>
-      </p:sp>
-      <p:sp>
-        <p:nvSpPr>
-          <p:cNvPr id="18" name="Can 17"/>
-          <p:cNvSpPr/>
-          <p:nvPr/>
-        </p:nvSpPr>
-        <p:spPr>
-          <a:xfrm>
-            <a:off x="7086600" y="4403556"/>
-            <a:ext cx="1094873" cy="1130969"/>
-          </a:xfrm>
-          <a:prstGeom prst="can">
-            <a:avLst/>
-          </a:prstGeom>
-        </p:spPr>
-        <p:style>
-          <a:lnRef idx="1">
-            <a:schemeClr val="accent4"/>
-          </a:lnRef>
-          <a:fillRef idx="3">
-            <a:schemeClr val="accent4"/>
-          </a:fillRef>
-          <a:effectRef idx="2">
-            <a:schemeClr val="accent4"/>
-          </a:effectRef>
-          <a:fontRef idx="minor">
-            <a:schemeClr val="lt1"/>
-          </a:fontRef>
-        </p:style>
-        <p:txBody>
-          <a:bodyPr rtlCol="0" anchor="ctr"/>
-          <a:lstStyle/>
-          <a:p>
-            <a:pPr algn="ctr"/>
-            <a:r>
-              <a:rPr lang="en-US" dirty="0"/>
-              <a:t>Database</a:t>
-            </a:r>
-          </a:p>
-        </p:txBody>
-      </p:sp>
+      </p:pic>
     </p:spTree>
     <p:extLst>
       <p:ext uri="{BB962C8B-B14F-4D97-AF65-F5344CB8AC3E}">
@@ -4586,25 +4121,51 @@
           </a:p>
         </p:txBody>
       </p:sp>
-      <p:sp>
-        <p:nvSpPr>
-          <p:cNvPr id="3" name="Content Placeholder 2"/>
-          <p:cNvSpPr>
-            <a:spLocks noGrp="1"/>
-          </p:cNvSpPr>
+      <p:pic>
+        <p:nvPicPr>
+          <p:cNvPr id="4" name="Content Placeholder 3"/>
+          <p:cNvPicPr>
+            <a:picLocks noGrp="1" noChangeAspect="1"/>
+          </p:cNvPicPr>
           <p:nvPr>
             <p:ph idx="1"/>
           </p:nvPr>
-        </p:nvSpPr>
-        <p:spPr/>
-        <p:txBody>
-          <a:bodyPr/>
-          <a:lstStyle/>
-          <a:p>
-            <a:endParaRPr lang="en-US" dirty="0"/>
-          </a:p>
-        </p:txBody>
-      </p:sp>
+        </p:nvPicPr>
+        <p:blipFill rotWithShape="1">
+          <a:blip r:embed="rId2"/>
+          <a:srcRect r="652" b="39923"/>
+          <a:stretch/>
+        </p:blipFill>
+        <p:spPr>
+          <a:xfrm>
+            <a:off x="3617220" y="846385"/>
+            <a:ext cx="7839745" cy="2283182"/>
+          </a:xfrm>
+        </p:spPr>
+      </p:pic>
+      <p:pic>
+        <p:nvPicPr>
+          <p:cNvPr id="5" name="Picture 4"/>
+          <p:cNvPicPr>
+            <a:picLocks noChangeAspect="1"/>
+          </p:cNvPicPr>
+          <p:nvPr/>
+        </p:nvPicPr>
+        <p:blipFill rotWithShape="1">
+          <a:blip r:embed="rId3"/>
+          <a:srcRect b="55396"/>
+          <a:stretch/>
+        </p:blipFill>
+        <p:spPr>
+          <a:xfrm>
+            <a:off x="3579454" y="3597468"/>
+            <a:ext cx="7915275" cy="1886518"/>
+          </a:xfrm>
+          <a:prstGeom prst="rect">
+            <a:avLst/>
+          </a:prstGeom>
+        </p:spPr>
+      </p:pic>
     </p:spTree>
     <p:extLst>
       <p:ext uri="{BB962C8B-B14F-4D97-AF65-F5344CB8AC3E}">
@@ -4803,25 +4364,29 @@
           </a:p>
         </p:txBody>
       </p:sp>
-      <p:sp>
-        <p:nvSpPr>
-          <p:cNvPr id="3" name="Content Placeholder 2"/>
-          <p:cNvSpPr>
-            <a:spLocks noGrp="1"/>
-          </p:cNvSpPr>
+      <p:pic>
+        <p:nvPicPr>
+          <p:cNvPr id="4" name="Content Placeholder 3"/>
+          <p:cNvPicPr>
+            <a:picLocks noGrp="1" noChangeAspect="1"/>
+          </p:cNvPicPr>
           <p:nvPr>
             <p:ph idx="1"/>
           </p:nvPr>
-        </p:nvSpPr>
-        <p:spPr/>
-        <p:txBody>
-          <a:bodyPr/>
-          <a:lstStyle/>
-          <a:p>
-            <a:endParaRPr lang="en-US" dirty="0"/>
-          </a:p>
-        </p:txBody>
-      </p:sp>
+        </p:nvPicPr>
+        <p:blipFill>
+          <a:blip r:embed="rId2"/>
+          <a:stretch>
+            <a:fillRect/>
+          </a:stretch>
+        </p:blipFill>
+        <p:spPr>
+          <a:xfrm>
+            <a:off x="4073526" y="890778"/>
+            <a:ext cx="6934200" cy="5067300"/>
+          </a:xfrm>
+        </p:spPr>
+      </p:pic>
     </p:spTree>
     <p:extLst>
       <p:ext uri="{BB962C8B-B14F-4D97-AF65-F5344CB8AC3E}">
@@ -4898,19 +4463,8 @@
                 <a:latin typeface="Arial" panose="020B0604020202020204" pitchFamily="34" charset="0"/>
                 <a:cs typeface="Arial" panose="020B0604020202020204" pitchFamily="34" charset="0"/>
               </a:rPr>
-              <a:t>Improve response </a:t>
-            </a:r>
-            <a:r>
-              <a:rPr lang="en-US" dirty="0" smtClean="0">
-                <a:latin typeface="Arial" panose="020B0604020202020204" pitchFamily="34" charset="0"/>
-                <a:cs typeface="Arial" panose="020B0604020202020204" pitchFamily="34" charset="0"/>
-              </a:rPr>
-              <a:t>time</a:t>
-            </a:r>
-            <a:endParaRPr lang="en-US" dirty="0">
-              <a:latin typeface="Arial" panose="020B0604020202020204" pitchFamily="34" charset="0"/>
-              <a:cs typeface="Arial" panose="020B0604020202020204" pitchFamily="34" charset="0"/>
-            </a:endParaRPr>
+              <a:t>Improve response time</a:t>
+            </a:r>
           </a:p>
           <a:p>
             <a:pPr>
@@ -4946,7 +4500,7 @@
               <a:t> </a:t>
             </a:r>
             <a:r>
-              <a:rPr lang="es-419" dirty="0" err="1" smtClean="0">
+              <a:rPr lang="es-419" dirty="0" err="1">
                 <a:latin typeface="Arial" panose="020B0604020202020204" pitchFamily="34" charset="0"/>
                 <a:cs typeface="Arial" panose="020B0604020202020204" pitchFamily="34" charset="0"/>
               </a:rPr>
@@ -4991,7 +4545,7 @@
               <a:t> </a:t>
             </a:r>
             <a:r>
-              <a:rPr lang="es-419" dirty="0" err="1" smtClean="0">
+              <a:rPr lang="es-419" dirty="0" err="1">
                 <a:latin typeface="Arial" panose="020B0604020202020204" pitchFamily="34" charset="0"/>
                 <a:cs typeface="Arial" panose="020B0604020202020204" pitchFamily="34" charset="0"/>
               </a:rPr>
@@ -5012,19 +4566,8 @@
                 <a:latin typeface="Arial" panose="020B0604020202020204" pitchFamily="34" charset="0"/>
                 <a:cs typeface="Arial" panose="020B0604020202020204" pitchFamily="34" charset="0"/>
               </a:rPr>
-              <a:t>Reducing costs on </a:t>
-            </a:r>
-            <a:r>
-              <a:rPr lang="en-US" dirty="0" smtClean="0">
-                <a:latin typeface="Arial" panose="020B0604020202020204" pitchFamily="34" charset="0"/>
-                <a:cs typeface="Arial" panose="020B0604020202020204" pitchFamily="34" charset="0"/>
-              </a:rPr>
-              <a:t>HR</a:t>
-            </a:r>
-            <a:endParaRPr lang="en-US" dirty="0">
-              <a:latin typeface="Arial" panose="020B0604020202020204" pitchFamily="34" charset="0"/>
-              <a:cs typeface="Arial" panose="020B0604020202020204" pitchFamily="34" charset="0"/>
-            </a:endParaRPr>
+              <a:t>Reducing costs on HR</a:t>
+            </a:r>
           </a:p>
           <a:p>
             <a:pPr>
@@ -5032,16 +4575,12 @@
               <a:buChar char="v"/>
             </a:pPr>
             <a:r>
-              <a:rPr lang="en-US" dirty="0" smtClean="0">
+              <a:rPr lang="en-US" dirty="0">
                 <a:latin typeface="Arial" panose="020B0604020202020204" pitchFamily="34" charset="0"/>
                 <a:cs typeface="Arial" panose="020B0604020202020204" pitchFamily="34" charset="0"/>
               </a:rPr>
               <a:t>Accountability</a:t>
             </a:r>
-            <a:endParaRPr lang="en-US" dirty="0">
-              <a:latin typeface="Arial" panose="020B0604020202020204" pitchFamily="34" charset="0"/>
-              <a:cs typeface="Arial" panose="020B0604020202020204" pitchFamily="34" charset="0"/>
-            </a:endParaRPr>
           </a:p>
           <a:p>
             <a:endParaRPr lang="es-419" dirty="0"/>

--- a/Presentation/Automatic Ticketing System (ATS).pptx
+++ b/Presentation/Automatic Ticketing System (ATS).pptx
@@ -2,7 +2,7 @@
 <file path=ppt/presentation.xml><?xml version="1.0" encoding="utf-8"?>
 <p:presentation xmlns:a="http://schemas.openxmlformats.org/drawingml/2006/main" xmlns:r="http://schemas.openxmlformats.org/officeDocument/2006/relationships" xmlns:p="http://schemas.openxmlformats.org/presentationml/2006/main" autoCompressPictures="0">
   <p:sldMasterIdLst>
-    <p:sldMasterId id="2147483840" r:id="rId1"/>
+    <p:sldMasterId id="2147483852" r:id="rId1"/>
   </p:sldMasterIdLst>
   <p:sldIdLst>
     <p:sldId id="256" r:id="rId2"/>
@@ -13,6 +13,7 @@
     <p:sldId id="259" r:id="rId7"/>
     <p:sldId id="261" r:id="rId8"/>
     <p:sldId id="262" r:id="rId9"/>
+    <p:sldId id="264" r:id="rId10"/>
   </p:sldIdLst>
   <p:sldSz cx="12192000" cy="6858000"/>
   <p:notesSz cx="6858000" cy="9144000"/>
@@ -342,7 +343,7 @@
           <a:lstStyle/>
           <a:p>
             <a:fld id="{5586B75A-687E-405C-8A0B-8D00578BA2C3}" type="datetimeFigureOut">
-              <a:rPr lang="en-US" dirty="0"/>
+              <a:rPr lang="en-US" smtClean="0"/>
               <a:pPr/>
               <a:t>11/27/2016</a:t>
             </a:fld>
@@ -385,7 +386,7 @@
           <a:lstStyle/>
           <a:p>
             <a:fld id="{4FAB73BC-B049-4115-A692-8D63A059BFB8}" type="slidenum">
-              <a:rPr lang="en-US" dirty="0"/>
+              <a:rPr lang="en-US" smtClean="0"/>
               <a:pPr/>
               <a:t>‹#›</a:t>
             </a:fld>
@@ -394,6 +395,11 @@
         </p:txBody>
       </p:sp>
     </p:spTree>
+    <p:extLst>
+      <p:ext uri="{BB962C8B-B14F-4D97-AF65-F5344CB8AC3E}">
+        <p14:creationId xmlns:p14="http://schemas.microsoft.com/office/powerpoint/2010/main" val="937744910"/>
+      </p:ext>
+    </p:extLst>
   </p:cSld>
   <p:clrMapOvr>
     <a:masterClrMapping/>
@@ -459,7 +465,7 @@
             <a:pPr lvl="0"/>
             <a:r>
               <a:rPr lang="en-US"/>
-              <a:t>Click to edit Master text styles</a:t>
+              <a:t>Edit Master text styles</a:t>
             </a:r>
           </a:p>
           <a:p>
@@ -509,7 +515,7 @@
           <a:lstStyle/>
           <a:p>
             <a:fld id="{5586B75A-687E-405C-8A0B-8D00578BA2C3}" type="datetimeFigureOut">
-              <a:rPr lang="en-US" dirty="0"/>
+              <a:rPr lang="en-US" smtClean="0"/>
               <a:pPr/>
               <a:t>11/27/2016</a:t>
             </a:fld>
@@ -552,7 +558,7 @@
           <a:lstStyle/>
           <a:p>
             <a:fld id="{4FAB73BC-B049-4115-A692-8D63A059BFB8}" type="slidenum">
-              <a:rPr lang="en-US" dirty="0"/>
+              <a:rPr lang="en-US" smtClean="0"/>
               <a:pPr/>
               <a:t>‹#›</a:t>
             </a:fld>
@@ -561,6 +567,11 @@
         </p:txBody>
       </p:sp>
     </p:spTree>
+    <p:extLst>
+      <p:ext uri="{BB962C8B-B14F-4D97-AF65-F5344CB8AC3E}">
+        <p14:creationId xmlns:p14="http://schemas.microsoft.com/office/powerpoint/2010/main" val="1657711840"/>
+      </p:ext>
+    </p:extLst>
   </p:cSld>
   <p:clrMapOvr>
     <a:masterClrMapping/>
@@ -636,7 +647,7 @@
             <a:pPr lvl="0"/>
             <a:r>
               <a:rPr lang="en-US"/>
-              <a:t>Click to edit Master text styles</a:t>
+              <a:t>Edit Master text styles</a:t>
             </a:r>
           </a:p>
           <a:p>
@@ -686,7 +697,7 @@
           <a:lstStyle/>
           <a:p>
             <a:fld id="{5586B75A-687E-405C-8A0B-8D00578BA2C3}" type="datetimeFigureOut">
-              <a:rPr lang="en-US" dirty="0"/>
+              <a:rPr lang="en-US" smtClean="0"/>
               <a:pPr/>
               <a:t>11/27/2016</a:t>
             </a:fld>
@@ -729,7 +740,7 @@
           <a:lstStyle/>
           <a:p>
             <a:fld id="{4FAB73BC-B049-4115-A692-8D63A059BFB8}" type="slidenum">
-              <a:rPr lang="en-US" dirty="0"/>
+              <a:rPr lang="en-US" smtClean="0"/>
               <a:pPr/>
               <a:t>‹#›</a:t>
             </a:fld>
@@ -738,6 +749,11 @@
         </p:txBody>
       </p:sp>
     </p:spTree>
+    <p:extLst>
+      <p:ext uri="{BB962C8B-B14F-4D97-AF65-F5344CB8AC3E}">
+        <p14:creationId xmlns:p14="http://schemas.microsoft.com/office/powerpoint/2010/main" val="902411849"/>
+      </p:ext>
+    </p:extLst>
   </p:cSld>
   <p:clrMapOvr>
     <a:masterClrMapping/>
@@ -803,7 +819,7 @@
             <a:pPr lvl="0"/>
             <a:r>
               <a:rPr lang="en-US"/>
-              <a:t>Click to edit Master text styles</a:t>
+              <a:t>Edit Master text styles</a:t>
             </a:r>
           </a:p>
           <a:p>
@@ -853,7 +869,7 @@
           <a:lstStyle/>
           <a:p>
             <a:fld id="{5586B75A-687E-405C-8A0B-8D00578BA2C3}" type="datetimeFigureOut">
-              <a:rPr lang="en-US" dirty="0"/>
+              <a:rPr lang="en-US" smtClean="0"/>
               <a:pPr/>
               <a:t>11/27/2016</a:t>
             </a:fld>
@@ -896,7 +912,7 @@
           <a:lstStyle/>
           <a:p>
             <a:fld id="{4FAB73BC-B049-4115-A692-8D63A059BFB8}" type="slidenum">
-              <a:rPr lang="en-US" dirty="0"/>
+              <a:rPr lang="en-US" smtClean="0"/>
               <a:pPr/>
               <a:t>‹#›</a:t>
             </a:fld>
@@ -905,6 +921,11 @@
         </p:txBody>
       </p:sp>
     </p:spTree>
+    <p:extLst>
+      <p:ext uri="{BB962C8B-B14F-4D97-AF65-F5344CB8AC3E}">
+        <p14:creationId xmlns:p14="http://schemas.microsoft.com/office/powerpoint/2010/main" val="1951712672"/>
+      </p:ext>
+    </p:extLst>
   </p:cSld>
   <p:clrMapOvr>
     <a:masterClrMapping/>
@@ -1087,7 +1108,7 @@
             <a:pPr lvl="0"/>
             <a:r>
               <a:rPr lang="en-US"/>
-              <a:t>Click to edit Master text styles</a:t>
+              <a:t>Edit Master text styles</a:t>
             </a:r>
           </a:p>
         </p:txBody>
@@ -1108,7 +1129,7 @@
           <a:lstStyle/>
           <a:p>
             <a:fld id="{5586B75A-687E-405C-8A0B-8D00578BA2C3}" type="datetimeFigureOut">
-              <a:rPr lang="en-US" dirty="0"/>
+              <a:rPr lang="en-US" smtClean="0"/>
               <a:pPr/>
               <a:t>11/27/2016</a:t>
             </a:fld>
@@ -1151,7 +1172,7 @@
           <a:lstStyle/>
           <a:p>
             <a:fld id="{4FAB73BC-B049-4115-A692-8D63A059BFB8}" type="slidenum">
-              <a:rPr lang="en-US" dirty="0"/>
+              <a:rPr lang="en-US" smtClean="0"/>
               <a:pPr/>
               <a:t>‹#›</a:t>
             </a:fld>
@@ -1160,6 +1181,11 @@
         </p:txBody>
       </p:sp>
     </p:spTree>
+    <p:extLst>
+      <p:ext uri="{BB962C8B-B14F-4D97-AF65-F5344CB8AC3E}">
+        <p14:creationId xmlns:p14="http://schemas.microsoft.com/office/powerpoint/2010/main" val="2989838161"/>
+      </p:ext>
+    </p:extLst>
   </p:cSld>
   <p:clrMapOvr>
     <a:masterClrMapping/>
@@ -1258,7 +1284,7 @@
             <a:pPr lvl="0"/>
             <a:r>
               <a:rPr lang="en-US"/>
-              <a:t>Click to edit Master text styles</a:t>
+              <a:t>Edit Master text styles</a:t>
             </a:r>
           </a:p>
           <a:p>
@@ -1343,7 +1369,7 @@
             <a:pPr lvl="0"/>
             <a:r>
               <a:rPr lang="en-US"/>
-              <a:t>Click to edit Master text styles</a:t>
+              <a:t>Edit Master text styles</a:t>
             </a:r>
           </a:p>
           <a:p>
@@ -1393,7 +1419,7 @@
           <a:lstStyle/>
           <a:p>
             <a:fld id="{5586B75A-687E-405C-8A0B-8D00578BA2C3}" type="datetimeFigureOut">
-              <a:rPr lang="en-US" dirty="0"/>
+              <a:rPr lang="en-US" smtClean="0"/>
               <a:pPr/>
               <a:t>11/27/2016</a:t>
             </a:fld>
@@ -1436,7 +1462,7 @@
           <a:lstStyle/>
           <a:p>
             <a:fld id="{4FAB73BC-B049-4115-A692-8D63A059BFB8}" type="slidenum">
-              <a:rPr lang="en-US" dirty="0"/>
+              <a:rPr lang="en-US" smtClean="0"/>
               <a:pPr/>
               <a:t>‹#›</a:t>
             </a:fld>
@@ -1445,6 +1471,11 @@
         </p:txBody>
       </p:sp>
     </p:spTree>
+    <p:extLst>
+      <p:ext uri="{BB962C8B-B14F-4D97-AF65-F5344CB8AC3E}">
+        <p14:creationId xmlns:p14="http://schemas.microsoft.com/office/powerpoint/2010/main" val="2082006621"/>
+      </p:ext>
+    </p:extLst>
   </p:cSld>
   <p:clrMapOvr>
     <a:masterClrMapping/>
@@ -1564,7 +1595,7 @@
             <a:pPr lvl="0"/>
             <a:r>
               <a:rPr lang="en-US"/>
-              <a:t>Click to edit Master text styles</a:t>
+              <a:t>Edit Master text styles</a:t>
             </a:r>
           </a:p>
         </p:txBody>
@@ -1620,7 +1651,7 @@
             <a:pPr lvl="0"/>
             <a:r>
               <a:rPr lang="en-US"/>
-              <a:t>Click to edit Master text styles</a:t>
+              <a:t>Edit Master text styles</a:t>
             </a:r>
           </a:p>
           <a:p>
@@ -1726,7 +1757,7 @@
             <a:pPr lvl="0"/>
             <a:r>
               <a:rPr lang="en-US"/>
-              <a:t>Click to edit Master text styles</a:t>
+              <a:t>Edit Master text styles</a:t>
             </a:r>
           </a:p>
         </p:txBody>
@@ -1782,7 +1813,7 @@
             <a:pPr lvl="0"/>
             <a:r>
               <a:rPr lang="en-US"/>
-              <a:t>Click to edit Master text styles</a:t>
+              <a:t>Edit Master text styles</a:t>
             </a:r>
           </a:p>
           <a:p>
@@ -1832,7 +1863,7 @@
           <a:lstStyle/>
           <a:p>
             <a:fld id="{5586B75A-687E-405C-8A0B-8D00578BA2C3}" type="datetimeFigureOut">
-              <a:rPr lang="en-US" dirty="0"/>
+              <a:rPr lang="en-US" smtClean="0"/>
               <a:pPr/>
               <a:t>11/27/2016</a:t>
             </a:fld>
@@ -1875,7 +1906,7 @@
           <a:lstStyle/>
           <a:p>
             <a:fld id="{4FAB73BC-B049-4115-A692-8D63A059BFB8}" type="slidenum">
-              <a:rPr lang="en-US" dirty="0"/>
+              <a:rPr lang="en-US" smtClean="0"/>
               <a:pPr/>
               <a:t>‹#›</a:t>
             </a:fld>
@@ -1884,6 +1915,11 @@
         </p:txBody>
       </p:sp>
     </p:spTree>
+    <p:extLst>
+      <p:ext uri="{BB962C8B-B14F-4D97-AF65-F5344CB8AC3E}">
+        <p14:creationId xmlns:p14="http://schemas.microsoft.com/office/powerpoint/2010/main" val="4194371350"/>
+      </p:ext>
+    </p:extLst>
   </p:cSld>
   <p:clrMapOvr>
     <a:masterClrMapping/>
@@ -1947,7 +1983,7 @@
           <a:lstStyle/>
           <a:p>
             <a:fld id="{5586B75A-687E-405C-8A0B-8D00578BA2C3}" type="datetimeFigureOut">
-              <a:rPr lang="en-US" dirty="0"/>
+              <a:rPr lang="en-US" smtClean="0"/>
               <a:pPr/>
               <a:t>11/27/2016</a:t>
             </a:fld>
@@ -1990,7 +2026,7 @@
           <a:lstStyle/>
           <a:p>
             <a:fld id="{4FAB73BC-B049-4115-A692-8D63A059BFB8}" type="slidenum">
-              <a:rPr lang="en-US" dirty="0"/>
+              <a:rPr lang="en-US" smtClean="0"/>
               <a:pPr/>
               <a:t>‹#›</a:t>
             </a:fld>
@@ -1999,6 +2035,11 @@
         </p:txBody>
       </p:sp>
     </p:spTree>
+    <p:extLst>
+      <p:ext uri="{BB962C8B-B14F-4D97-AF65-F5344CB8AC3E}">
+        <p14:creationId xmlns:p14="http://schemas.microsoft.com/office/powerpoint/2010/main" val="557294758"/>
+      </p:ext>
+    </p:extLst>
   </p:cSld>
   <p:clrMapOvr>
     <a:masterClrMapping/>
@@ -2039,7 +2080,7 @@
           <a:lstStyle/>
           <a:p>
             <a:fld id="{5586B75A-687E-405C-8A0B-8D00578BA2C3}" type="datetimeFigureOut">
-              <a:rPr lang="en-US" dirty="0"/>
+              <a:rPr lang="en-US" smtClean="0"/>
               <a:pPr/>
               <a:t>11/27/2016</a:t>
             </a:fld>
@@ -2082,7 +2123,7 @@
           <a:lstStyle/>
           <a:p>
             <a:fld id="{4FAB73BC-B049-4115-A692-8D63A059BFB8}" type="slidenum">
-              <a:rPr lang="en-US" dirty="0"/>
+              <a:rPr lang="en-US" smtClean="0"/>
               <a:pPr/>
               <a:t>‹#›</a:t>
             </a:fld>
@@ -2091,6 +2132,11 @@
         </p:txBody>
       </p:sp>
     </p:spTree>
+    <p:extLst>
+      <p:ext uri="{BB962C8B-B14F-4D97-AF65-F5344CB8AC3E}">
+        <p14:creationId xmlns:p14="http://schemas.microsoft.com/office/powerpoint/2010/main" val="3342800136"/>
+      </p:ext>
+    </p:extLst>
   </p:cSld>
   <p:clrMapOvr>
     <a:masterClrMapping/>
@@ -2200,7 +2246,7 @@
             <a:pPr lvl="0"/>
             <a:r>
               <a:rPr lang="en-US"/>
-              <a:t>Click to edit Master text styles</a:t>
+              <a:t>Edit Master text styles</a:t>
             </a:r>
           </a:p>
           <a:p>
@@ -2303,7 +2349,7 @@
             <a:pPr lvl="0"/>
             <a:r>
               <a:rPr lang="en-US"/>
-              <a:t>Click to edit Master text styles</a:t>
+              <a:t>Edit Master text styles</a:t>
             </a:r>
           </a:p>
         </p:txBody>
@@ -2324,7 +2370,7 @@
           <a:lstStyle/>
           <a:p>
             <a:fld id="{5586B75A-687E-405C-8A0B-8D00578BA2C3}" type="datetimeFigureOut">
-              <a:rPr lang="en-US" dirty="0"/>
+              <a:rPr lang="en-US" smtClean="0"/>
               <a:pPr/>
               <a:t>11/27/2016</a:t>
             </a:fld>
@@ -2367,7 +2413,7 @@
           <a:lstStyle/>
           <a:p>
             <a:fld id="{4FAB73BC-B049-4115-A692-8D63A059BFB8}" type="slidenum">
-              <a:rPr lang="en-US" dirty="0"/>
+              <a:rPr lang="en-US" smtClean="0"/>
               <a:pPr/>
               <a:t>‹#›</a:t>
             </a:fld>
@@ -2376,6 +2422,11 @@
         </p:txBody>
       </p:sp>
     </p:spTree>
+    <p:extLst>
+      <p:ext uri="{BB962C8B-B14F-4D97-AF65-F5344CB8AC3E}">
+        <p14:creationId xmlns:p14="http://schemas.microsoft.com/office/powerpoint/2010/main" val="2208389336"/>
+      </p:ext>
+    </p:extLst>
   </p:cSld>
   <p:clrMapOvr>
     <a:masterClrMapping/>
@@ -2573,7 +2624,7 @@
             <a:pPr lvl="0"/>
             <a:r>
               <a:rPr lang="en-US"/>
-              <a:t>Click to edit Master text styles</a:t>
+              <a:t>Edit Master text styles</a:t>
             </a:r>
           </a:p>
         </p:txBody>
@@ -2594,7 +2645,7 @@
           <a:lstStyle/>
           <a:p>
             <a:fld id="{5586B75A-687E-405C-8A0B-8D00578BA2C3}" type="datetimeFigureOut">
-              <a:rPr lang="en-US" dirty="0"/>
+              <a:rPr lang="en-US" smtClean="0"/>
               <a:pPr/>
               <a:t>11/27/2016</a:t>
             </a:fld>
@@ -2642,7 +2693,7 @@
           <a:lstStyle/>
           <a:p>
             <a:fld id="{4FAB73BC-B049-4115-A692-8D63A059BFB8}" type="slidenum">
-              <a:rPr lang="en-US" dirty="0"/>
+              <a:rPr lang="en-US" smtClean="0"/>
               <a:pPr/>
               <a:t>‹#›</a:t>
             </a:fld>
@@ -2651,6 +2702,11 @@
         </p:txBody>
       </p:sp>
     </p:spTree>
+    <p:extLst>
+      <p:ext uri="{BB962C8B-B14F-4D97-AF65-F5344CB8AC3E}">
+        <p14:creationId xmlns:p14="http://schemas.microsoft.com/office/powerpoint/2010/main" val="2769095402"/>
+      </p:ext>
+    </p:extLst>
   </p:cSld>
   <p:clrMapOvr>
     <a:masterClrMapping/>
@@ -2819,7 +2875,7 @@
             <a:pPr lvl="0"/>
             <a:r>
               <a:rPr lang="en-US"/>
-              <a:t>Click to edit Master text styles</a:t>
+              <a:t>Edit Master text styles</a:t>
             </a:r>
           </a:p>
           <a:p>
@@ -2888,7 +2944,7 @@
           </a:lstStyle>
           <a:p>
             <a:fld id="{5586B75A-687E-405C-8A0B-8D00578BA2C3}" type="datetimeFigureOut">
-              <a:rPr lang="en-US" dirty="0"/>
+              <a:rPr lang="en-US" smtClean="0"/>
               <a:pPr/>
               <a:t>11/27/2016</a:t>
             </a:fld>
@@ -2966,7 +3022,7 @@
           </a:lstStyle>
           <a:p>
             <a:fld id="{4FAB73BC-B049-4115-A692-8D63A059BFB8}" type="slidenum">
-              <a:rPr lang="en-US" dirty="0"/>
+              <a:rPr lang="en-US" smtClean="0"/>
               <a:pPr/>
               <a:t>‹#›</a:t>
             </a:fld>
@@ -2975,20 +3031,25 @@
         </p:txBody>
       </p:sp>
     </p:spTree>
+    <p:extLst>
+      <p:ext uri="{BB962C8B-B14F-4D97-AF65-F5344CB8AC3E}">
+        <p14:creationId xmlns:p14="http://schemas.microsoft.com/office/powerpoint/2010/main" val="4047967718"/>
+      </p:ext>
+    </p:extLst>
   </p:cSld>
   <p:clrMap bg1="lt1" tx1="dk1" bg2="lt2" tx2="dk2" accent1="accent1" accent2="accent2" accent3="accent3" accent4="accent4" accent5="accent5" accent6="accent6" hlink="hlink" folHlink="folHlink"/>
   <p:sldLayoutIdLst>
-    <p:sldLayoutId id="2147483841" r:id="rId1"/>
-    <p:sldLayoutId id="2147483842" r:id="rId2"/>
-    <p:sldLayoutId id="2147483843" r:id="rId3"/>
-    <p:sldLayoutId id="2147483844" r:id="rId4"/>
-    <p:sldLayoutId id="2147483845" r:id="rId5"/>
-    <p:sldLayoutId id="2147483846" r:id="rId6"/>
-    <p:sldLayoutId id="2147483847" r:id="rId7"/>
-    <p:sldLayoutId id="2147483848" r:id="rId8"/>
-    <p:sldLayoutId id="2147483849" r:id="rId9"/>
-    <p:sldLayoutId id="2147483850" r:id="rId10"/>
-    <p:sldLayoutId id="2147483851" r:id="rId11"/>
+    <p:sldLayoutId id="2147483853" r:id="rId1"/>
+    <p:sldLayoutId id="2147483854" r:id="rId2"/>
+    <p:sldLayoutId id="2147483855" r:id="rId3"/>
+    <p:sldLayoutId id="2147483856" r:id="rId4"/>
+    <p:sldLayoutId id="2147483857" r:id="rId5"/>
+    <p:sldLayoutId id="2147483858" r:id="rId6"/>
+    <p:sldLayoutId id="2147483859" r:id="rId7"/>
+    <p:sldLayoutId id="2147483860" r:id="rId8"/>
+    <p:sldLayoutId id="2147483861" r:id="rId9"/>
+    <p:sldLayoutId id="2147483862" r:id="rId10"/>
+    <p:sldLayoutId id="2147483863" r:id="rId11"/>
   </p:sldLayoutIdLst>
   <p:hf sldNum="0" hdr="0" ftr="0" dt="0"/>
   <p:txStyles>
@@ -4382,7 +4443,7 @@
         </p:blipFill>
         <p:spPr>
           <a:xfrm>
-            <a:off x="4073526" y="890778"/>
+            <a:off x="4059238" y="890587"/>
             <a:ext cx="6934200" cy="5067300"/>
           </a:xfrm>
         </p:spPr>
@@ -4476,7 +4537,7 @@
                 <a:latin typeface="Arial" panose="020B0604020202020204" pitchFamily="34" charset="0"/>
                 <a:cs typeface="Arial" panose="020B0604020202020204" pitchFamily="34" charset="0"/>
               </a:rPr>
-              <a:t>Automate</a:t>
+              <a:t>Automated</a:t>
             </a:r>
             <a:r>
               <a:rPr lang="es-419" dirty="0">
@@ -4594,6 +4655,65 @@
     <p:extLst>
       <p:ext uri="{BB962C8B-B14F-4D97-AF65-F5344CB8AC3E}">
         <p14:creationId xmlns:p14="http://schemas.microsoft.com/office/powerpoint/2010/main" val="376949723"/>
+      </p:ext>
+    </p:extLst>
+  </p:cSld>
+  <p:clrMapOvr>
+    <a:masterClrMapping/>
+  </p:clrMapOvr>
+</p:sld>
+</file>
+
+<file path=ppt/slides/slide9.xml><?xml version="1.0" encoding="utf-8"?>
+<p:sld xmlns:a="http://schemas.openxmlformats.org/drawingml/2006/main" xmlns:r="http://schemas.openxmlformats.org/officeDocument/2006/relationships" xmlns:p="http://schemas.openxmlformats.org/presentationml/2006/main">
+  <p:cSld>
+    <p:spTree>
+      <p:nvGrpSpPr>
+        <p:cNvPr id="1" name=""/>
+        <p:cNvGrpSpPr/>
+        <p:nvPr/>
+      </p:nvGrpSpPr>
+      <p:grpSpPr>
+        <a:xfrm>
+          <a:off x="0" y="0"/>
+          <a:ext cx="0" cy="0"/>
+          <a:chOff x="0" y="0"/>
+          <a:chExt cx="0" cy="0"/>
+        </a:xfrm>
+      </p:grpSpPr>
+      <p:sp>
+        <p:nvSpPr>
+          <p:cNvPr id="2" name="Title 1"/>
+          <p:cNvSpPr>
+            <a:spLocks noGrp="1"/>
+          </p:cNvSpPr>
+          <p:nvPr>
+            <p:ph type="ctrTitle"/>
+          </p:nvPr>
+        </p:nvSpPr>
+        <p:spPr>
+          <a:xfrm>
+            <a:off x="1932732" y="937839"/>
+            <a:ext cx="7315200" cy="3255264"/>
+          </a:xfrm>
+        </p:spPr>
+        <p:txBody>
+          <a:bodyPr>
+            <a:normAutofit/>
+          </a:bodyPr>
+          <a:lstStyle/>
+          <a:p>
+            <a:r>
+              <a:rPr lang="en-US" sz="9600" dirty="0"/>
+              <a:t>  THANK YOU!</a:t>
+            </a:r>
+          </a:p>
+        </p:txBody>
+      </p:sp>
+    </p:spTree>
+    <p:extLst>
+      <p:ext uri="{BB962C8B-B14F-4D97-AF65-F5344CB8AC3E}">
+        <p14:creationId xmlns:p14="http://schemas.microsoft.com/office/powerpoint/2010/main" val="1260436278"/>
       </p:ext>
     </p:extLst>
   </p:cSld>
